--- a/plots/fit1_binomGLMM_VOC_Belgium.pptx
+++ b/plots/fit1_binomGLMM_VOC_Belgium.pptx
@@ -3484,378 +3484,525 @@
           </p:nvSpPr>
           <p:spPr>
             <a:xfrm>
-              <a:off x="2233452" y="2245450"/>
-              <a:ext cx="5558508" cy="3264498"/>
+              <a:off x="2233452" y="1107814"/>
+              <a:ext cx="5558508" cy="4347147"/>
             </a:xfrm>
             <a:custGeom>
               <a:avLst/>
               <a:pathLst>
-                <a:path w="5558508" h="3264498">
+                <a:path w="5558508" h="4347147">
                   <a:moveTo>
-                    <a:pt x="0" y="2909781"/>
+                    <a:pt x="0" y="4012748"/>
                   </a:moveTo>
                   <a:lnTo>
-                    <a:pt x="92641" y="2875112"/>
-                  </a:lnTo>
-                  <a:lnTo>
-                    <a:pt x="185283" y="2840275"/>
-                  </a:lnTo>
-                  <a:lnTo>
-                    <a:pt x="277925" y="2805238"/>
-                  </a:lnTo>
-                  <a:lnTo>
-                    <a:pt x="370567" y="2769955"/>
-                  </a:lnTo>
-                  <a:lnTo>
-                    <a:pt x="463209" y="2734371"/>
-                  </a:lnTo>
-                  <a:lnTo>
-                    <a:pt x="555850" y="2698417"/>
-                  </a:lnTo>
-                  <a:lnTo>
-                    <a:pt x="648492" y="2662002"/>
-                  </a:lnTo>
-                  <a:lnTo>
-                    <a:pt x="741134" y="2625017"/>
-                  </a:lnTo>
-                  <a:lnTo>
-                    <a:pt x="833776" y="2587325"/>
-                  </a:lnTo>
-                  <a:lnTo>
-                    <a:pt x="926418" y="2548765"/>
-                  </a:lnTo>
-                  <a:lnTo>
-                    <a:pt x="1019059" y="2509154"/>
-                  </a:lnTo>
-                  <a:lnTo>
-                    <a:pt x="1111701" y="2468309"/>
-                  </a:lnTo>
-                  <a:lnTo>
-                    <a:pt x="1204343" y="2426069"/>
-                  </a:lnTo>
-                  <a:lnTo>
-                    <a:pt x="1296985" y="2382332"/>
-                  </a:lnTo>
-                  <a:lnTo>
-                    <a:pt x="1389627" y="2337083"/>
-                  </a:lnTo>
-                  <a:lnTo>
-                    <a:pt x="1482268" y="2290403"/>
-                  </a:lnTo>
-                  <a:lnTo>
-                    <a:pt x="1574910" y="2242451"/>
-                  </a:lnTo>
-                  <a:lnTo>
-                    <a:pt x="1667552" y="2193434"/>
-                  </a:lnTo>
-                  <a:lnTo>
-                    <a:pt x="1760194" y="2143571"/>
-                  </a:lnTo>
-                  <a:lnTo>
-                    <a:pt x="1852836" y="2093074"/>
-                  </a:lnTo>
-                  <a:lnTo>
-                    <a:pt x="1945477" y="2042128"/>
-                  </a:lnTo>
-                  <a:lnTo>
-                    <a:pt x="2038119" y="1990898"/>
-                  </a:lnTo>
-                  <a:lnTo>
-                    <a:pt x="2130761" y="1939520"/>
-                  </a:lnTo>
-                  <a:lnTo>
-                    <a:pt x="2223403" y="1888110"/>
-                  </a:lnTo>
-                  <a:lnTo>
-                    <a:pt x="2316045" y="1836765"/>
-                  </a:lnTo>
-                  <a:lnTo>
-                    <a:pt x="2408687" y="1785562"/>
-                  </a:lnTo>
-                  <a:lnTo>
-                    <a:pt x="2501328" y="1734563"/>
-                  </a:lnTo>
-                  <a:lnTo>
-                    <a:pt x="2593970" y="1683810"/>
-                  </a:lnTo>
-                  <a:lnTo>
-                    <a:pt x="2686612" y="1633327"/>
-                  </a:lnTo>
-                  <a:lnTo>
-                    <a:pt x="2779254" y="1583118"/>
-                  </a:lnTo>
-                  <a:lnTo>
-                    <a:pt x="2871896" y="1533165"/>
-                  </a:lnTo>
-                  <a:lnTo>
-                    <a:pt x="2964537" y="1483430"/>
-                  </a:lnTo>
-                  <a:lnTo>
-                    <a:pt x="3057179" y="1433851"/>
-                  </a:lnTo>
-                  <a:lnTo>
-                    <a:pt x="3149821" y="1384355"/>
-                  </a:lnTo>
-                  <a:lnTo>
-                    <a:pt x="3242463" y="1334855"/>
-                  </a:lnTo>
-                  <a:lnTo>
-                    <a:pt x="3335105" y="1285257"/>
-                  </a:lnTo>
-                  <a:lnTo>
-                    <a:pt x="3427746" y="1235473"/>
-                  </a:lnTo>
-                  <a:lnTo>
-                    <a:pt x="3520388" y="1185421"/>
-                  </a:lnTo>
-                  <a:lnTo>
-                    <a:pt x="3613030" y="1135032"/>
-                  </a:lnTo>
-                  <a:lnTo>
-                    <a:pt x="3705672" y="1084256"/>
-                  </a:lnTo>
-                  <a:lnTo>
-                    <a:pt x="3798314" y="1033057"/>
-                  </a:lnTo>
-                  <a:lnTo>
-                    <a:pt x="3890955" y="981420"/>
-                  </a:lnTo>
-                  <a:lnTo>
-                    <a:pt x="3983597" y="929342"/>
-                  </a:lnTo>
-                  <a:lnTo>
-                    <a:pt x="4076239" y="876834"/>
-                  </a:lnTo>
-                  <a:lnTo>
-                    <a:pt x="4168881" y="823917"/>
-                  </a:lnTo>
-                  <a:lnTo>
-                    <a:pt x="4261523" y="770616"/>
-                  </a:lnTo>
-                  <a:lnTo>
-                    <a:pt x="4354165" y="716962"/>
-                  </a:lnTo>
-                  <a:lnTo>
-                    <a:pt x="4446806" y="662985"/>
-                  </a:lnTo>
-                  <a:lnTo>
-                    <a:pt x="4539448" y="608719"/>
-                  </a:lnTo>
-                  <a:lnTo>
-                    <a:pt x="4632090" y="554195"/>
-                  </a:lnTo>
-                  <a:lnTo>
-                    <a:pt x="4724732" y="499440"/>
-                  </a:lnTo>
-                  <a:lnTo>
-                    <a:pt x="4817374" y="444483"/>
-                  </a:lnTo>
-                  <a:lnTo>
-                    <a:pt x="4910015" y="389349"/>
-                  </a:lnTo>
-                  <a:lnTo>
-                    <a:pt x="5002657" y="334058"/>
-                  </a:lnTo>
-                  <a:lnTo>
-                    <a:pt x="5095299" y="278631"/>
-                  </a:lnTo>
-                  <a:lnTo>
-                    <a:pt x="5187941" y="223085"/>
-                  </a:lnTo>
-                  <a:lnTo>
-                    <a:pt x="5280583" y="167437"/>
-                  </a:lnTo>
-                  <a:lnTo>
-                    <a:pt x="5373224" y="111699"/>
-                  </a:lnTo>
-                  <a:lnTo>
-                    <a:pt x="5465866" y="55883"/>
+                    <a:pt x="63164" y="3977911"/>
+                  </a:lnTo>
+                  <a:lnTo>
+                    <a:pt x="126329" y="3942874"/>
+                  </a:lnTo>
+                  <a:lnTo>
+                    <a:pt x="189494" y="3907591"/>
+                  </a:lnTo>
+                  <a:lnTo>
+                    <a:pt x="252659" y="3872007"/>
+                  </a:lnTo>
+                  <a:lnTo>
+                    <a:pt x="315824" y="3836053"/>
+                  </a:lnTo>
+                  <a:lnTo>
+                    <a:pt x="378989" y="3799638"/>
+                  </a:lnTo>
+                  <a:lnTo>
+                    <a:pt x="442154" y="3762653"/>
+                  </a:lnTo>
+                  <a:lnTo>
+                    <a:pt x="505318" y="3724961"/>
+                  </a:lnTo>
+                  <a:lnTo>
+                    <a:pt x="568483" y="3686401"/>
+                  </a:lnTo>
+                  <a:lnTo>
+                    <a:pt x="631648" y="3646790"/>
+                  </a:lnTo>
+                  <a:lnTo>
+                    <a:pt x="694813" y="3605945"/>
+                  </a:lnTo>
+                  <a:lnTo>
+                    <a:pt x="757978" y="3563706"/>
+                  </a:lnTo>
+                  <a:lnTo>
+                    <a:pt x="821143" y="3519969"/>
+                  </a:lnTo>
+                  <a:lnTo>
+                    <a:pt x="884308" y="3474719"/>
+                  </a:lnTo>
+                  <a:lnTo>
+                    <a:pt x="947473" y="3428039"/>
+                  </a:lnTo>
+                  <a:lnTo>
+                    <a:pt x="1010637" y="3380087"/>
+                  </a:lnTo>
+                  <a:lnTo>
+                    <a:pt x="1073802" y="3331070"/>
+                  </a:lnTo>
+                  <a:lnTo>
+                    <a:pt x="1136967" y="3281207"/>
+                  </a:lnTo>
+                  <a:lnTo>
+                    <a:pt x="1200132" y="3230710"/>
+                  </a:lnTo>
+                  <a:lnTo>
+                    <a:pt x="1263297" y="3179764"/>
+                  </a:lnTo>
+                  <a:lnTo>
+                    <a:pt x="1326462" y="3128534"/>
+                  </a:lnTo>
+                  <a:lnTo>
+                    <a:pt x="1389627" y="3077156"/>
+                  </a:lnTo>
+                  <a:lnTo>
+                    <a:pt x="1452791" y="3025746"/>
+                  </a:lnTo>
+                  <a:lnTo>
+                    <a:pt x="1515956" y="2974401"/>
+                  </a:lnTo>
+                  <a:lnTo>
+                    <a:pt x="1579121" y="2923198"/>
+                  </a:lnTo>
+                  <a:lnTo>
+                    <a:pt x="1642286" y="2872199"/>
+                  </a:lnTo>
+                  <a:lnTo>
+                    <a:pt x="1705451" y="2821446"/>
+                  </a:lnTo>
+                  <a:lnTo>
+                    <a:pt x="1768616" y="2770963"/>
+                  </a:lnTo>
+                  <a:lnTo>
+                    <a:pt x="1831781" y="2720754"/>
+                  </a:lnTo>
+                  <a:lnTo>
+                    <a:pt x="1894946" y="2670801"/>
+                  </a:lnTo>
+                  <a:lnTo>
+                    <a:pt x="1958110" y="2621066"/>
+                  </a:lnTo>
+                  <a:lnTo>
+                    <a:pt x="2021275" y="2571487"/>
+                  </a:lnTo>
+                  <a:lnTo>
+                    <a:pt x="2084440" y="2521991"/>
+                  </a:lnTo>
+                  <a:lnTo>
+                    <a:pt x="2147605" y="2472491"/>
+                  </a:lnTo>
+                  <a:lnTo>
+                    <a:pt x="2210770" y="2422893"/>
+                  </a:lnTo>
+                  <a:lnTo>
+                    <a:pt x="2273935" y="2373109"/>
+                  </a:lnTo>
+                  <a:lnTo>
+                    <a:pt x="2337100" y="2323057"/>
+                  </a:lnTo>
+                  <a:lnTo>
+                    <a:pt x="2400265" y="2272668"/>
+                  </a:lnTo>
+                  <a:lnTo>
+                    <a:pt x="2463429" y="2221892"/>
+                  </a:lnTo>
+                  <a:lnTo>
+                    <a:pt x="2526594" y="2170693"/>
+                  </a:lnTo>
+                  <a:lnTo>
+                    <a:pt x="2589759" y="2119056"/>
+                  </a:lnTo>
+                  <a:lnTo>
+                    <a:pt x="2652924" y="2066978"/>
+                  </a:lnTo>
+                  <a:lnTo>
+                    <a:pt x="2716089" y="2014470"/>
+                  </a:lnTo>
+                  <a:lnTo>
+                    <a:pt x="2779254" y="1961553"/>
+                  </a:lnTo>
+                  <a:lnTo>
+                    <a:pt x="2842419" y="1908252"/>
+                  </a:lnTo>
+                  <a:lnTo>
+                    <a:pt x="2905583" y="1854598"/>
+                  </a:lnTo>
+                  <a:lnTo>
+                    <a:pt x="2968748" y="1800621"/>
+                  </a:lnTo>
+                  <a:lnTo>
+                    <a:pt x="3031913" y="1746356"/>
+                  </a:lnTo>
+                  <a:lnTo>
+                    <a:pt x="3095078" y="1691831"/>
+                  </a:lnTo>
+                  <a:lnTo>
+                    <a:pt x="3158243" y="1637076"/>
+                  </a:lnTo>
+                  <a:lnTo>
+                    <a:pt x="3221408" y="1582120"/>
+                  </a:lnTo>
+                  <a:lnTo>
+                    <a:pt x="3284573" y="1526985"/>
+                  </a:lnTo>
+                  <a:lnTo>
+                    <a:pt x="3347738" y="1471694"/>
+                  </a:lnTo>
+                  <a:lnTo>
+                    <a:pt x="3410902" y="1416267"/>
+                  </a:lnTo>
+                  <a:lnTo>
+                    <a:pt x="3474067" y="1360721"/>
+                  </a:lnTo>
+                  <a:lnTo>
+                    <a:pt x="3537232" y="1305073"/>
+                  </a:lnTo>
+                  <a:lnTo>
+                    <a:pt x="3600397" y="1249335"/>
+                  </a:lnTo>
+                  <a:lnTo>
+                    <a:pt x="3663562" y="1193519"/>
+                  </a:lnTo>
+                  <a:lnTo>
+                    <a:pt x="3726727" y="1137636"/>
+                  </a:lnTo>
+                  <a:lnTo>
+                    <a:pt x="3789892" y="1081694"/>
+                  </a:lnTo>
+                  <a:lnTo>
+                    <a:pt x="3853057" y="1025701"/>
+                  </a:lnTo>
+                  <a:lnTo>
+                    <a:pt x="3916221" y="969664"/>
+                  </a:lnTo>
+                  <a:lnTo>
+                    <a:pt x="3979386" y="913589"/>
+                  </a:lnTo>
+                  <a:lnTo>
+                    <a:pt x="4042551" y="857481"/>
+                  </a:lnTo>
+                  <a:lnTo>
+                    <a:pt x="4105716" y="801344"/>
+                  </a:lnTo>
+                  <a:lnTo>
+                    <a:pt x="4168881" y="745182"/>
+                  </a:lnTo>
+                  <a:lnTo>
+                    <a:pt x="4232046" y="688998"/>
+                  </a:lnTo>
+                  <a:lnTo>
+                    <a:pt x="4295211" y="632794"/>
+                  </a:lnTo>
+                  <a:lnTo>
+                    <a:pt x="4358375" y="576575"/>
+                  </a:lnTo>
+                  <a:lnTo>
+                    <a:pt x="4421540" y="520340"/>
+                  </a:lnTo>
+                  <a:lnTo>
+                    <a:pt x="4484705" y="464093"/>
+                  </a:lnTo>
+                  <a:lnTo>
+                    <a:pt x="4547870" y="407835"/>
+                  </a:lnTo>
+                  <a:lnTo>
+                    <a:pt x="4611035" y="351566"/>
+                  </a:lnTo>
+                  <a:lnTo>
+                    <a:pt x="4674200" y="295289"/>
+                  </a:lnTo>
+                  <a:lnTo>
+                    <a:pt x="4737365" y="239005"/>
+                  </a:lnTo>
+                  <a:lnTo>
+                    <a:pt x="4800530" y="182713"/>
+                  </a:lnTo>
+                  <a:lnTo>
+                    <a:pt x="4863694" y="126416"/>
+                  </a:lnTo>
+                  <a:lnTo>
+                    <a:pt x="4926859" y="70113"/>
+                  </a:lnTo>
+                  <a:lnTo>
+                    <a:pt x="4990024" y="13805"/>
+                  </a:lnTo>
+                  <a:lnTo>
+                    <a:pt x="5005509" y="0"/>
                   </a:lnTo>
                   <a:lnTo>
                     <a:pt x="5558508" y="0"/>
                   </a:lnTo>
                   <a:lnTo>
-                    <a:pt x="5558508" y="1035188"/>
-                  </a:lnTo>
-                  <a:lnTo>
-                    <a:pt x="5465866" y="1065954"/>
-                  </a:lnTo>
-                  <a:lnTo>
-                    <a:pt x="5373224" y="1096579"/>
-                  </a:lnTo>
-                  <a:lnTo>
-                    <a:pt x="5280583" y="1127069"/>
-                  </a:lnTo>
-                  <a:lnTo>
-                    <a:pt x="5187941" y="1157433"/>
-                  </a:lnTo>
-                  <a:lnTo>
-                    <a:pt x="5095299" y="1187681"/>
-                  </a:lnTo>
-                  <a:lnTo>
-                    <a:pt x="5002657" y="1217826"/>
-                  </a:lnTo>
-                  <a:lnTo>
-                    <a:pt x="4910015" y="1247885"/>
-                  </a:lnTo>
-                  <a:lnTo>
-                    <a:pt x="4817374" y="1277874"/>
-                  </a:lnTo>
-                  <a:lnTo>
-                    <a:pt x="4724732" y="1307814"/>
-                  </a:lnTo>
-                  <a:lnTo>
-                    <a:pt x="4632090" y="1337725"/>
-                  </a:lnTo>
-                  <a:lnTo>
-                    <a:pt x="4539448" y="1367629"/>
-                  </a:lnTo>
-                  <a:lnTo>
-                    <a:pt x="4446806" y="1397549"/>
-                  </a:lnTo>
-                  <a:lnTo>
-                    <a:pt x="4354165" y="1427508"/>
-                  </a:lnTo>
-                  <a:lnTo>
-                    <a:pt x="4261523" y="1457528"/>
-                  </a:lnTo>
-                  <a:lnTo>
-                    <a:pt x="4168881" y="1487629"/>
-                  </a:lnTo>
-                  <a:lnTo>
-                    <a:pt x="4076239" y="1517832"/>
-                  </a:lnTo>
-                  <a:lnTo>
-                    <a:pt x="3983597" y="1548155"/>
-                  </a:lnTo>
-                  <a:lnTo>
-                    <a:pt x="3890955" y="1578613"/>
-                  </a:lnTo>
-                  <a:lnTo>
-                    <a:pt x="3798314" y="1609222"/>
-                  </a:lnTo>
-                  <a:lnTo>
-                    <a:pt x="3705672" y="1639992"/>
-                  </a:lnTo>
-                  <a:lnTo>
-                    <a:pt x="3613030" y="1670934"/>
-                  </a:lnTo>
-                  <a:lnTo>
-                    <a:pt x="3520388" y="1702055"/>
-                  </a:lnTo>
-                  <a:lnTo>
-                    <a:pt x="3427746" y="1733363"/>
-                  </a:lnTo>
-                  <a:lnTo>
-                    <a:pt x="3335105" y="1764863"/>
-                  </a:lnTo>
-                  <a:lnTo>
-                    <a:pt x="3242463" y="1796557"/>
-                  </a:lnTo>
-                  <a:lnTo>
-                    <a:pt x="3149821" y="1828450"/>
-                  </a:lnTo>
-                  <a:lnTo>
-                    <a:pt x="3057179" y="1860546"/>
-                  </a:lnTo>
-                  <a:lnTo>
-                    <a:pt x="2964537" y="1892847"/>
-                  </a:lnTo>
-                  <a:lnTo>
-                    <a:pt x="2871896" y="1925359"/>
-                  </a:lnTo>
-                  <a:lnTo>
-                    <a:pt x="2779254" y="1958087"/>
-                  </a:lnTo>
-                  <a:lnTo>
-                    <a:pt x="2686612" y="1991040"/>
-                  </a:lnTo>
-                  <a:lnTo>
-                    <a:pt x="2593970" y="2024229"/>
-                  </a:lnTo>
-                  <a:lnTo>
-                    <a:pt x="2501328" y="2057668"/>
-                  </a:lnTo>
-                  <a:lnTo>
-                    <a:pt x="2408687" y="2091379"/>
-                  </a:lnTo>
-                  <a:lnTo>
-                    <a:pt x="2316045" y="2125389"/>
-                  </a:lnTo>
-                  <a:lnTo>
-                    <a:pt x="2223403" y="2159733"/>
-                  </a:lnTo>
-                  <a:lnTo>
-                    <a:pt x="2130761" y="2194458"/>
-                  </a:lnTo>
-                  <a:lnTo>
-                    <a:pt x="2038119" y="2229627"/>
-                  </a:lnTo>
-                  <a:lnTo>
-                    <a:pt x="1945477" y="2265318"/>
-                  </a:lnTo>
-                  <a:lnTo>
-                    <a:pt x="1852836" y="2301634"/>
-                  </a:lnTo>
-                  <a:lnTo>
-                    <a:pt x="1760194" y="2338702"/>
-                  </a:lnTo>
-                  <a:lnTo>
-                    <a:pt x="1667552" y="2376677"/>
-                  </a:lnTo>
-                  <a:lnTo>
-                    <a:pt x="1574910" y="2415739"/>
-                  </a:lnTo>
-                  <a:lnTo>
-                    <a:pt x="1482268" y="2456081"/>
-                  </a:lnTo>
-                  <a:lnTo>
-                    <a:pt x="1389627" y="2497883"/>
-                  </a:lnTo>
-                  <a:lnTo>
-                    <a:pt x="1296985" y="2541283"/>
-                  </a:lnTo>
-                  <a:lnTo>
-                    <a:pt x="1204343" y="2586342"/>
-                  </a:lnTo>
-                  <a:lnTo>
-                    <a:pt x="1111701" y="2633027"/>
-                  </a:lnTo>
-                  <a:lnTo>
-                    <a:pt x="1019059" y="2681220"/>
-                  </a:lnTo>
-                  <a:lnTo>
-                    <a:pt x="926418" y="2730746"/>
-                  </a:lnTo>
-                  <a:lnTo>
-                    <a:pt x="833776" y="2781410"/>
-                  </a:lnTo>
-                  <a:lnTo>
-                    <a:pt x="741134" y="2833018"/>
-                  </a:lnTo>
-                  <a:lnTo>
-                    <a:pt x="648492" y="2885401"/>
-                  </a:lnTo>
-                  <a:lnTo>
-                    <a:pt x="555850" y="2938413"/>
-                  </a:lnTo>
-                  <a:lnTo>
-                    <a:pt x="463209" y="2991937"/>
-                  </a:lnTo>
-                  <a:lnTo>
-                    <a:pt x="370567" y="3045876"/>
-                  </a:lnTo>
-                  <a:lnTo>
-                    <a:pt x="277925" y="3100157"/>
-                  </a:lnTo>
-                  <a:lnTo>
-                    <a:pt x="185283" y="3154718"/>
-                  </a:lnTo>
-                  <a:lnTo>
-                    <a:pt x="92641" y="3209511"/>
-                  </a:lnTo>
-                  <a:lnTo>
-                    <a:pt x="0" y="3264498"/>
+                    <a:pt x="5558508" y="1233214"/>
+                  </a:lnTo>
+                  <a:lnTo>
+                    <a:pt x="5495343" y="1266467"/>
+                  </a:lnTo>
+                  <a:lnTo>
+                    <a:pt x="5432178" y="1299694"/>
+                  </a:lnTo>
+                  <a:lnTo>
+                    <a:pt x="5369013" y="1332894"/>
+                  </a:lnTo>
+                  <a:lnTo>
+                    <a:pt x="5305849" y="1366064"/>
+                  </a:lnTo>
+                  <a:lnTo>
+                    <a:pt x="5242684" y="1399201"/>
+                  </a:lnTo>
+                  <a:lnTo>
+                    <a:pt x="5179519" y="1432301"/>
+                  </a:lnTo>
+                  <a:lnTo>
+                    <a:pt x="5116354" y="1465363"/>
+                  </a:lnTo>
+                  <a:lnTo>
+                    <a:pt x="5053189" y="1498381"/>
+                  </a:lnTo>
+                  <a:lnTo>
+                    <a:pt x="4990024" y="1531352"/>
+                  </a:lnTo>
+                  <a:lnTo>
+                    <a:pt x="4926859" y="1564272"/>
+                  </a:lnTo>
+                  <a:lnTo>
+                    <a:pt x="4863694" y="1597137"/>
+                  </a:lnTo>
+                  <a:lnTo>
+                    <a:pt x="4800530" y="1629942"/>
+                  </a:lnTo>
+                  <a:lnTo>
+                    <a:pt x="4737365" y="1662681"/>
+                  </a:lnTo>
+                  <a:lnTo>
+                    <a:pt x="4674200" y="1695350"/>
+                  </a:lnTo>
+                  <a:lnTo>
+                    <a:pt x="4611035" y="1727943"/>
+                  </a:lnTo>
+                  <a:lnTo>
+                    <a:pt x="4547870" y="1760453"/>
+                  </a:lnTo>
+                  <a:lnTo>
+                    <a:pt x="4484705" y="1792876"/>
+                  </a:lnTo>
+                  <a:lnTo>
+                    <a:pt x="4421540" y="1825203"/>
+                  </a:lnTo>
+                  <a:lnTo>
+                    <a:pt x="4358375" y="1857430"/>
+                  </a:lnTo>
+                  <a:lnTo>
+                    <a:pt x="4295211" y="1889548"/>
+                  </a:lnTo>
+                  <a:lnTo>
+                    <a:pt x="4232046" y="1921553"/>
+                  </a:lnTo>
+                  <a:lnTo>
+                    <a:pt x="4168881" y="1953437"/>
+                  </a:lnTo>
+                  <a:lnTo>
+                    <a:pt x="4105716" y="1985195"/>
+                  </a:lnTo>
+                  <a:lnTo>
+                    <a:pt x="4042551" y="2016820"/>
+                  </a:lnTo>
+                  <a:lnTo>
+                    <a:pt x="3979386" y="2048308"/>
+                  </a:lnTo>
+                  <a:lnTo>
+                    <a:pt x="3916221" y="2079655"/>
+                  </a:lnTo>
+                  <a:lnTo>
+                    <a:pt x="3853057" y="2110857"/>
+                  </a:lnTo>
+                  <a:lnTo>
+                    <a:pt x="3789892" y="2141914"/>
+                  </a:lnTo>
+                  <a:lnTo>
+                    <a:pt x="3726727" y="2172824"/>
+                  </a:lnTo>
+                  <a:lnTo>
+                    <a:pt x="3663562" y="2203590"/>
+                  </a:lnTo>
+                  <a:lnTo>
+                    <a:pt x="3600397" y="2234215"/>
+                  </a:lnTo>
+                  <a:lnTo>
+                    <a:pt x="3537232" y="2264705"/>
+                  </a:lnTo>
+                  <a:lnTo>
+                    <a:pt x="3474067" y="2295069"/>
+                  </a:lnTo>
+                  <a:lnTo>
+                    <a:pt x="3410902" y="2325317"/>
+                  </a:lnTo>
+                  <a:lnTo>
+                    <a:pt x="3347738" y="2355462"/>
+                  </a:lnTo>
+                  <a:lnTo>
+                    <a:pt x="3284573" y="2385521"/>
+                  </a:lnTo>
+                  <a:lnTo>
+                    <a:pt x="3221408" y="2415510"/>
+                  </a:lnTo>
+                  <a:lnTo>
+                    <a:pt x="3158243" y="2445450"/>
+                  </a:lnTo>
+                  <a:lnTo>
+                    <a:pt x="3095078" y="2475361"/>
+                  </a:lnTo>
+                  <a:lnTo>
+                    <a:pt x="3031913" y="2505265"/>
+                  </a:lnTo>
+                  <a:lnTo>
+                    <a:pt x="2968748" y="2535185"/>
+                  </a:lnTo>
+                  <a:lnTo>
+                    <a:pt x="2905583" y="2565144"/>
+                  </a:lnTo>
+                  <a:lnTo>
+                    <a:pt x="2842419" y="2595164"/>
+                  </a:lnTo>
+                  <a:lnTo>
+                    <a:pt x="2779254" y="2625265"/>
+                  </a:lnTo>
+                  <a:lnTo>
+                    <a:pt x="2716089" y="2655468"/>
+                  </a:lnTo>
+                  <a:lnTo>
+                    <a:pt x="2652924" y="2685791"/>
+                  </a:lnTo>
+                  <a:lnTo>
+                    <a:pt x="2589759" y="2716249"/>
+                  </a:lnTo>
+                  <a:lnTo>
+                    <a:pt x="2526594" y="2746858"/>
+                  </a:lnTo>
+                  <a:lnTo>
+                    <a:pt x="2463429" y="2777628"/>
+                  </a:lnTo>
+                  <a:lnTo>
+                    <a:pt x="2400265" y="2808570"/>
+                  </a:lnTo>
+                  <a:lnTo>
+                    <a:pt x="2337100" y="2839692"/>
+                  </a:lnTo>
+                  <a:lnTo>
+                    <a:pt x="2273935" y="2870999"/>
+                  </a:lnTo>
+                  <a:lnTo>
+                    <a:pt x="2210770" y="2902499"/>
+                  </a:lnTo>
+                  <a:lnTo>
+                    <a:pt x="2147605" y="2934193"/>
+                  </a:lnTo>
+                  <a:lnTo>
+                    <a:pt x="2084440" y="2966086"/>
+                  </a:lnTo>
+                  <a:lnTo>
+                    <a:pt x="2021275" y="2998182"/>
+                  </a:lnTo>
+                  <a:lnTo>
+                    <a:pt x="1958110" y="3030483"/>
+                  </a:lnTo>
+                  <a:lnTo>
+                    <a:pt x="1894946" y="3062995"/>
+                  </a:lnTo>
+                  <a:lnTo>
+                    <a:pt x="1831781" y="3095723"/>
+                  </a:lnTo>
+                  <a:lnTo>
+                    <a:pt x="1768616" y="3128676"/>
+                  </a:lnTo>
+                  <a:lnTo>
+                    <a:pt x="1705451" y="3161865"/>
+                  </a:lnTo>
+                  <a:lnTo>
+                    <a:pt x="1642286" y="3195304"/>
+                  </a:lnTo>
+                  <a:lnTo>
+                    <a:pt x="1579121" y="3229015"/>
+                  </a:lnTo>
+                  <a:lnTo>
+                    <a:pt x="1515956" y="3263025"/>
+                  </a:lnTo>
+                  <a:lnTo>
+                    <a:pt x="1452791" y="3297369"/>
+                  </a:lnTo>
+                  <a:lnTo>
+                    <a:pt x="1389627" y="3332094"/>
+                  </a:lnTo>
+                  <a:lnTo>
+                    <a:pt x="1326462" y="3367263"/>
+                  </a:lnTo>
+                  <a:lnTo>
+                    <a:pt x="1263297" y="3402954"/>
+                  </a:lnTo>
+                  <a:lnTo>
+                    <a:pt x="1200132" y="3439270"/>
+                  </a:lnTo>
+                  <a:lnTo>
+                    <a:pt x="1136967" y="3476338"/>
+                  </a:lnTo>
+                  <a:lnTo>
+                    <a:pt x="1073802" y="3514313"/>
+                  </a:lnTo>
+                  <a:lnTo>
+                    <a:pt x="1010637" y="3553375"/>
+                  </a:lnTo>
+                  <a:lnTo>
+                    <a:pt x="947473" y="3593717"/>
+                  </a:lnTo>
+                  <a:lnTo>
+                    <a:pt x="884308" y="3635519"/>
+                  </a:lnTo>
+                  <a:lnTo>
+                    <a:pt x="821143" y="3678920"/>
+                  </a:lnTo>
+                  <a:lnTo>
+                    <a:pt x="757978" y="3723978"/>
+                  </a:lnTo>
+                  <a:lnTo>
+                    <a:pt x="694813" y="3770663"/>
+                  </a:lnTo>
+                  <a:lnTo>
+                    <a:pt x="631648" y="3818856"/>
+                  </a:lnTo>
+                  <a:lnTo>
+                    <a:pt x="568483" y="3868382"/>
+                  </a:lnTo>
+                  <a:lnTo>
+                    <a:pt x="505318" y="3919046"/>
+                  </a:lnTo>
+                  <a:lnTo>
+                    <a:pt x="442154" y="3970654"/>
+                  </a:lnTo>
+                  <a:lnTo>
+                    <a:pt x="378989" y="4023037"/>
+                  </a:lnTo>
+                  <a:lnTo>
+                    <a:pt x="315824" y="4076049"/>
+                  </a:lnTo>
+                  <a:lnTo>
+                    <a:pt x="252659" y="4129573"/>
+                  </a:lnTo>
+                  <a:lnTo>
+                    <a:pt x="189494" y="4183512"/>
+                  </a:lnTo>
+                  <a:lnTo>
+                    <a:pt x="126329" y="4237793"/>
+                  </a:lnTo>
+                  <a:lnTo>
+                    <a:pt x="63164" y="4292354"/>
+                  </a:lnTo>
+                  <a:lnTo>
+                    <a:pt x="0" y="4347147"/>
                   </a:lnTo>
                   <a:close/>
                 </a:path>
@@ -3881,198 +4028,255 @@
           </p:nvSpPr>
           <p:spPr>
             <a:xfrm>
-              <a:off x="2233452" y="2245450"/>
-              <a:ext cx="5558508" cy="2909781"/>
+              <a:off x="2233452" y="1107814"/>
+              <a:ext cx="5005509" cy="4012748"/>
             </a:xfrm>
             <a:custGeom>
               <a:avLst/>
               <a:pathLst>
-                <a:path w="5558508" h="2909781">
+                <a:path w="5005509" h="4012748">
                   <a:moveTo>
-                    <a:pt x="0" y="2909781"/>
+                    <a:pt x="0" y="4012748"/>
                   </a:moveTo>
                   <a:lnTo>
-                    <a:pt x="92641" y="2875112"/>
-                  </a:lnTo>
-                  <a:lnTo>
-                    <a:pt x="185283" y="2840275"/>
-                  </a:lnTo>
-                  <a:lnTo>
-                    <a:pt x="277925" y="2805238"/>
-                  </a:lnTo>
-                  <a:lnTo>
-                    <a:pt x="370567" y="2769955"/>
-                  </a:lnTo>
-                  <a:lnTo>
-                    <a:pt x="463209" y="2734371"/>
-                  </a:lnTo>
-                  <a:lnTo>
-                    <a:pt x="555850" y="2698417"/>
-                  </a:lnTo>
-                  <a:lnTo>
-                    <a:pt x="648492" y="2662002"/>
-                  </a:lnTo>
-                  <a:lnTo>
-                    <a:pt x="741134" y="2625017"/>
-                  </a:lnTo>
-                  <a:lnTo>
-                    <a:pt x="833776" y="2587325"/>
-                  </a:lnTo>
-                  <a:lnTo>
-                    <a:pt x="926418" y="2548765"/>
-                  </a:lnTo>
-                  <a:lnTo>
-                    <a:pt x="1019059" y="2509154"/>
-                  </a:lnTo>
-                  <a:lnTo>
-                    <a:pt x="1111701" y="2468309"/>
-                  </a:lnTo>
-                  <a:lnTo>
-                    <a:pt x="1204343" y="2426069"/>
-                  </a:lnTo>
-                  <a:lnTo>
-                    <a:pt x="1296985" y="2382332"/>
-                  </a:lnTo>
-                  <a:lnTo>
-                    <a:pt x="1389627" y="2337083"/>
-                  </a:lnTo>
-                  <a:lnTo>
-                    <a:pt x="1482268" y="2290403"/>
-                  </a:lnTo>
-                  <a:lnTo>
-                    <a:pt x="1574910" y="2242451"/>
-                  </a:lnTo>
-                  <a:lnTo>
-                    <a:pt x="1667552" y="2193434"/>
-                  </a:lnTo>
-                  <a:lnTo>
-                    <a:pt x="1760194" y="2143571"/>
-                  </a:lnTo>
-                  <a:lnTo>
-                    <a:pt x="1852836" y="2093074"/>
-                  </a:lnTo>
-                  <a:lnTo>
-                    <a:pt x="1945477" y="2042128"/>
-                  </a:lnTo>
-                  <a:lnTo>
-                    <a:pt x="2038119" y="1990898"/>
-                  </a:lnTo>
-                  <a:lnTo>
-                    <a:pt x="2130761" y="1939520"/>
-                  </a:lnTo>
-                  <a:lnTo>
-                    <a:pt x="2223403" y="1888110"/>
-                  </a:lnTo>
-                  <a:lnTo>
-                    <a:pt x="2316045" y="1836765"/>
-                  </a:lnTo>
-                  <a:lnTo>
-                    <a:pt x="2408687" y="1785562"/>
-                  </a:lnTo>
-                  <a:lnTo>
-                    <a:pt x="2501328" y="1734563"/>
-                  </a:lnTo>
-                  <a:lnTo>
-                    <a:pt x="2593970" y="1683810"/>
-                  </a:lnTo>
-                  <a:lnTo>
-                    <a:pt x="2686612" y="1633327"/>
-                  </a:lnTo>
-                  <a:lnTo>
-                    <a:pt x="2779254" y="1583118"/>
-                  </a:lnTo>
-                  <a:lnTo>
-                    <a:pt x="2871896" y="1533165"/>
-                  </a:lnTo>
-                  <a:lnTo>
-                    <a:pt x="2964537" y="1483430"/>
-                  </a:lnTo>
-                  <a:lnTo>
-                    <a:pt x="3057179" y="1433851"/>
-                  </a:lnTo>
-                  <a:lnTo>
-                    <a:pt x="3149821" y="1384355"/>
-                  </a:lnTo>
-                  <a:lnTo>
-                    <a:pt x="3242463" y="1334855"/>
-                  </a:lnTo>
-                  <a:lnTo>
-                    <a:pt x="3335105" y="1285257"/>
-                  </a:lnTo>
-                  <a:lnTo>
-                    <a:pt x="3427746" y="1235473"/>
-                  </a:lnTo>
-                  <a:lnTo>
-                    <a:pt x="3520388" y="1185421"/>
-                  </a:lnTo>
-                  <a:lnTo>
-                    <a:pt x="3613030" y="1135032"/>
-                  </a:lnTo>
-                  <a:lnTo>
-                    <a:pt x="3705672" y="1084256"/>
-                  </a:lnTo>
-                  <a:lnTo>
-                    <a:pt x="3798314" y="1033057"/>
-                  </a:lnTo>
-                  <a:lnTo>
-                    <a:pt x="3890955" y="981420"/>
-                  </a:lnTo>
-                  <a:lnTo>
-                    <a:pt x="3983597" y="929342"/>
-                  </a:lnTo>
-                  <a:lnTo>
-                    <a:pt x="4076239" y="876834"/>
-                  </a:lnTo>
-                  <a:lnTo>
-                    <a:pt x="4168881" y="823917"/>
-                  </a:lnTo>
-                  <a:lnTo>
-                    <a:pt x="4261523" y="770616"/>
-                  </a:lnTo>
-                  <a:lnTo>
-                    <a:pt x="4354165" y="716962"/>
-                  </a:lnTo>
-                  <a:lnTo>
-                    <a:pt x="4446806" y="662985"/>
-                  </a:lnTo>
-                  <a:lnTo>
-                    <a:pt x="4539448" y="608719"/>
-                  </a:lnTo>
-                  <a:lnTo>
-                    <a:pt x="4632090" y="554195"/>
-                  </a:lnTo>
-                  <a:lnTo>
-                    <a:pt x="4724732" y="499440"/>
-                  </a:lnTo>
-                  <a:lnTo>
-                    <a:pt x="4817374" y="444483"/>
-                  </a:lnTo>
-                  <a:lnTo>
-                    <a:pt x="4910015" y="389349"/>
-                  </a:lnTo>
-                  <a:lnTo>
-                    <a:pt x="5002657" y="334058"/>
-                  </a:lnTo>
-                  <a:lnTo>
-                    <a:pt x="5095299" y="278631"/>
-                  </a:lnTo>
-                  <a:lnTo>
-                    <a:pt x="5187941" y="223085"/>
-                  </a:lnTo>
-                  <a:lnTo>
-                    <a:pt x="5280583" y="167437"/>
-                  </a:lnTo>
-                  <a:lnTo>
-                    <a:pt x="5373224" y="111699"/>
-                  </a:lnTo>
-                  <a:lnTo>
-                    <a:pt x="5465866" y="55883"/>
-                  </a:lnTo>
-                  <a:lnTo>
-                    <a:pt x="5558508" y="0"/>
-                  </a:lnTo>
-                  <a:lnTo>
-                    <a:pt x="5558508" y="0"/>
+                    <a:pt x="63164" y="3977911"/>
+                  </a:lnTo>
+                  <a:lnTo>
+                    <a:pt x="126329" y="3942874"/>
+                  </a:lnTo>
+                  <a:lnTo>
+                    <a:pt x="189494" y="3907591"/>
+                  </a:lnTo>
+                  <a:lnTo>
+                    <a:pt x="252659" y="3872007"/>
+                  </a:lnTo>
+                  <a:lnTo>
+                    <a:pt x="315824" y="3836053"/>
+                  </a:lnTo>
+                  <a:lnTo>
+                    <a:pt x="378989" y="3799638"/>
+                  </a:lnTo>
+                  <a:lnTo>
+                    <a:pt x="442154" y="3762653"/>
+                  </a:lnTo>
+                  <a:lnTo>
+                    <a:pt x="505318" y="3724961"/>
+                  </a:lnTo>
+                  <a:lnTo>
+                    <a:pt x="568483" y="3686401"/>
+                  </a:lnTo>
+                  <a:lnTo>
+                    <a:pt x="631648" y="3646790"/>
+                  </a:lnTo>
+                  <a:lnTo>
+                    <a:pt x="694813" y="3605945"/>
+                  </a:lnTo>
+                  <a:lnTo>
+                    <a:pt x="757978" y="3563706"/>
+                  </a:lnTo>
+                  <a:lnTo>
+                    <a:pt x="821143" y="3519969"/>
+                  </a:lnTo>
+                  <a:lnTo>
+                    <a:pt x="884308" y="3474719"/>
+                  </a:lnTo>
+                  <a:lnTo>
+                    <a:pt x="947473" y="3428039"/>
+                  </a:lnTo>
+                  <a:lnTo>
+                    <a:pt x="1010637" y="3380087"/>
+                  </a:lnTo>
+                  <a:lnTo>
+                    <a:pt x="1073802" y="3331070"/>
+                  </a:lnTo>
+                  <a:lnTo>
+                    <a:pt x="1136967" y="3281207"/>
+                  </a:lnTo>
+                  <a:lnTo>
+                    <a:pt x="1200132" y="3230710"/>
+                  </a:lnTo>
+                  <a:lnTo>
+                    <a:pt x="1263297" y="3179764"/>
+                  </a:lnTo>
+                  <a:lnTo>
+                    <a:pt x="1326462" y="3128534"/>
+                  </a:lnTo>
+                  <a:lnTo>
+                    <a:pt x="1389627" y="3077156"/>
+                  </a:lnTo>
+                  <a:lnTo>
+                    <a:pt x="1452791" y="3025746"/>
+                  </a:lnTo>
+                  <a:lnTo>
+                    <a:pt x="1515956" y="2974401"/>
+                  </a:lnTo>
+                  <a:lnTo>
+                    <a:pt x="1579121" y="2923198"/>
+                  </a:lnTo>
+                  <a:lnTo>
+                    <a:pt x="1642286" y="2872199"/>
+                  </a:lnTo>
+                  <a:lnTo>
+                    <a:pt x="1705451" y="2821446"/>
+                  </a:lnTo>
+                  <a:lnTo>
+                    <a:pt x="1768616" y="2770963"/>
+                  </a:lnTo>
+                  <a:lnTo>
+                    <a:pt x="1831781" y="2720754"/>
+                  </a:lnTo>
+                  <a:lnTo>
+                    <a:pt x="1894946" y="2670801"/>
+                  </a:lnTo>
+                  <a:lnTo>
+                    <a:pt x="1958110" y="2621066"/>
+                  </a:lnTo>
+                  <a:lnTo>
+                    <a:pt x="2021275" y="2571487"/>
+                  </a:lnTo>
+                  <a:lnTo>
+                    <a:pt x="2084440" y="2521991"/>
+                  </a:lnTo>
+                  <a:lnTo>
+                    <a:pt x="2147605" y="2472491"/>
+                  </a:lnTo>
+                  <a:lnTo>
+                    <a:pt x="2210770" y="2422893"/>
+                  </a:lnTo>
+                  <a:lnTo>
+                    <a:pt x="2273935" y="2373109"/>
+                  </a:lnTo>
+                  <a:lnTo>
+                    <a:pt x="2337100" y="2323057"/>
+                  </a:lnTo>
+                  <a:lnTo>
+                    <a:pt x="2400265" y="2272668"/>
+                  </a:lnTo>
+                  <a:lnTo>
+                    <a:pt x="2463429" y="2221892"/>
+                  </a:lnTo>
+                  <a:lnTo>
+                    <a:pt x="2526594" y="2170693"/>
+                  </a:lnTo>
+                  <a:lnTo>
+                    <a:pt x="2589759" y="2119056"/>
+                  </a:lnTo>
+                  <a:lnTo>
+                    <a:pt x="2652924" y="2066978"/>
+                  </a:lnTo>
+                  <a:lnTo>
+                    <a:pt x="2716089" y="2014470"/>
+                  </a:lnTo>
+                  <a:lnTo>
+                    <a:pt x="2779254" y="1961553"/>
+                  </a:lnTo>
+                  <a:lnTo>
+                    <a:pt x="2842419" y="1908252"/>
+                  </a:lnTo>
+                  <a:lnTo>
+                    <a:pt x="2905583" y="1854598"/>
+                  </a:lnTo>
+                  <a:lnTo>
+                    <a:pt x="2968748" y="1800621"/>
+                  </a:lnTo>
+                  <a:lnTo>
+                    <a:pt x="3031913" y="1746356"/>
+                  </a:lnTo>
+                  <a:lnTo>
+                    <a:pt x="3095078" y="1691831"/>
+                  </a:lnTo>
+                  <a:lnTo>
+                    <a:pt x="3158243" y="1637076"/>
+                  </a:lnTo>
+                  <a:lnTo>
+                    <a:pt x="3221408" y="1582120"/>
+                  </a:lnTo>
+                  <a:lnTo>
+                    <a:pt x="3284573" y="1526985"/>
+                  </a:lnTo>
+                  <a:lnTo>
+                    <a:pt x="3347738" y="1471694"/>
+                  </a:lnTo>
+                  <a:lnTo>
+                    <a:pt x="3410902" y="1416267"/>
+                  </a:lnTo>
+                  <a:lnTo>
+                    <a:pt x="3474067" y="1360721"/>
+                  </a:lnTo>
+                  <a:lnTo>
+                    <a:pt x="3537232" y="1305073"/>
+                  </a:lnTo>
+                  <a:lnTo>
+                    <a:pt x="3600397" y="1249335"/>
+                  </a:lnTo>
+                  <a:lnTo>
+                    <a:pt x="3663562" y="1193519"/>
+                  </a:lnTo>
+                  <a:lnTo>
+                    <a:pt x="3726727" y="1137636"/>
+                  </a:lnTo>
+                  <a:lnTo>
+                    <a:pt x="3789892" y="1081694"/>
+                  </a:lnTo>
+                  <a:lnTo>
+                    <a:pt x="3853057" y="1025701"/>
+                  </a:lnTo>
+                  <a:lnTo>
+                    <a:pt x="3916221" y="969664"/>
+                  </a:lnTo>
+                  <a:lnTo>
+                    <a:pt x="3979386" y="913589"/>
+                  </a:lnTo>
+                  <a:lnTo>
+                    <a:pt x="4042551" y="857481"/>
+                  </a:lnTo>
+                  <a:lnTo>
+                    <a:pt x="4105716" y="801344"/>
+                  </a:lnTo>
+                  <a:lnTo>
+                    <a:pt x="4168881" y="745182"/>
+                  </a:lnTo>
+                  <a:lnTo>
+                    <a:pt x="4232046" y="688998"/>
+                  </a:lnTo>
+                  <a:lnTo>
+                    <a:pt x="4295211" y="632794"/>
+                  </a:lnTo>
+                  <a:lnTo>
+                    <a:pt x="4358375" y="576575"/>
+                  </a:lnTo>
+                  <a:lnTo>
+                    <a:pt x="4421540" y="520340"/>
+                  </a:lnTo>
+                  <a:lnTo>
+                    <a:pt x="4484705" y="464093"/>
+                  </a:lnTo>
+                  <a:lnTo>
+                    <a:pt x="4547870" y="407835"/>
+                  </a:lnTo>
+                  <a:lnTo>
+                    <a:pt x="4611035" y="351566"/>
+                  </a:lnTo>
+                  <a:lnTo>
+                    <a:pt x="4674200" y="295289"/>
+                  </a:lnTo>
+                  <a:lnTo>
+                    <a:pt x="4737365" y="239005"/>
+                  </a:lnTo>
+                  <a:lnTo>
+                    <a:pt x="4800530" y="182713"/>
+                  </a:lnTo>
+                  <a:lnTo>
+                    <a:pt x="4863694" y="126416"/>
+                  </a:lnTo>
+                  <a:lnTo>
+                    <a:pt x="4926859" y="70113"/>
+                  </a:lnTo>
+                  <a:lnTo>
+                    <a:pt x="4990024" y="13805"/>
+                  </a:lnTo>
+                  <a:lnTo>
+                    <a:pt x="5005509" y="0"/>
                   </a:lnTo>
                 </a:path>
               </a:pathLst>
@@ -4092,198 +4296,279 @@
           </p:nvSpPr>
           <p:spPr>
             <a:xfrm>
-              <a:off x="2233452" y="3280638"/>
-              <a:ext cx="5558508" cy="2229310"/>
+              <a:off x="2233452" y="2341028"/>
+              <a:ext cx="5558508" cy="3113933"/>
             </a:xfrm>
             <a:custGeom>
               <a:avLst/>
               <a:pathLst>
-                <a:path w="5558508" h="2229310">
+                <a:path w="5558508" h="3113933">
                   <a:moveTo>
                     <a:pt x="5558508" y="0"/>
                   </a:moveTo>
                   <a:lnTo>
-                    <a:pt x="5465866" y="30765"/>
-                  </a:lnTo>
-                  <a:lnTo>
-                    <a:pt x="5373224" y="61390"/>
-                  </a:lnTo>
-                  <a:lnTo>
-                    <a:pt x="5280583" y="91880"/>
-                  </a:lnTo>
-                  <a:lnTo>
-                    <a:pt x="5187941" y="122244"/>
-                  </a:lnTo>
-                  <a:lnTo>
-                    <a:pt x="5095299" y="152492"/>
-                  </a:lnTo>
-                  <a:lnTo>
-                    <a:pt x="5002657" y="182638"/>
-                  </a:lnTo>
-                  <a:lnTo>
-                    <a:pt x="4910015" y="212696"/>
-                  </a:lnTo>
-                  <a:lnTo>
-                    <a:pt x="4817374" y="242686"/>
-                  </a:lnTo>
-                  <a:lnTo>
-                    <a:pt x="4724732" y="272625"/>
-                  </a:lnTo>
-                  <a:lnTo>
-                    <a:pt x="4632090" y="302536"/>
-                  </a:lnTo>
-                  <a:lnTo>
-                    <a:pt x="4539448" y="332441"/>
-                  </a:lnTo>
-                  <a:lnTo>
-                    <a:pt x="4446806" y="362361"/>
-                  </a:lnTo>
-                  <a:lnTo>
-                    <a:pt x="4354165" y="392320"/>
-                  </a:lnTo>
-                  <a:lnTo>
-                    <a:pt x="4261523" y="422339"/>
-                  </a:lnTo>
-                  <a:lnTo>
-                    <a:pt x="4168881" y="452441"/>
-                  </a:lnTo>
-                  <a:lnTo>
-                    <a:pt x="4076239" y="482644"/>
-                  </a:lnTo>
-                  <a:lnTo>
-                    <a:pt x="3983597" y="512966"/>
-                  </a:lnTo>
-                  <a:lnTo>
-                    <a:pt x="3890955" y="543425"/>
-                  </a:lnTo>
-                  <a:lnTo>
-                    <a:pt x="3798314" y="574033"/>
-                  </a:lnTo>
-                  <a:lnTo>
-                    <a:pt x="3705672" y="604803"/>
-                  </a:lnTo>
-                  <a:lnTo>
-                    <a:pt x="3613030" y="635745"/>
-                  </a:lnTo>
-                  <a:lnTo>
-                    <a:pt x="3520388" y="666867"/>
-                  </a:lnTo>
-                  <a:lnTo>
-                    <a:pt x="3427746" y="698175"/>
-                  </a:lnTo>
-                  <a:lnTo>
-                    <a:pt x="3335105" y="729674"/>
-                  </a:lnTo>
-                  <a:lnTo>
-                    <a:pt x="3242463" y="761369"/>
-                  </a:lnTo>
-                  <a:lnTo>
-                    <a:pt x="3149821" y="793262"/>
-                  </a:lnTo>
-                  <a:lnTo>
-                    <a:pt x="3057179" y="825357"/>
-                  </a:lnTo>
-                  <a:lnTo>
-                    <a:pt x="2964537" y="857659"/>
-                  </a:lnTo>
-                  <a:lnTo>
-                    <a:pt x="2871896" y="890171"/>
-                  </a:lnTo>
-                  <a:lnTo>
-                    <a:pt x="2779254" y="922899"/>
-                  </a:lnTo>
-                  <a:lnTo>
-                    <a:pt x="2686612" y="955852"/>
-                  </a:lnTo>
-                  <a:lnTo>
-                    <a:pt x="2593970" y="989040"/>
-                  </a:lnTo>
-                  <a:lnTo>
-                    <a:pt x="2501328" y="1022480"/>
-                  </a:lnTo>
-                  <a:lnTo>
-                    <a:pt x="2408687" y="1056191"/>
-                  </a:lnTo>
-                  <a:lnTo>
-                    <a:pt x="2316045" y="1090200"/>
-                  </a:lnTo>
-                  <a:lnTo>
-                    <a:pt x="2223403" y="1124544"/>
-                  </a:lnTo>
-                  <a:lnTo>
-                    <a:pt x="2130761" y="1159269"/>
-                  </a:lnTo>
-                  <a:lnTo>
-                    <a:pt x="2038119" y="1194438"/>
-                  </a:lnTo>
-                  <a:lnTo>
-                    <a:pt x="1945477" y="1230129"/>
-                  </a:lnTo>
-                  <a:lnTo>
-                    <a:pt x="1852836" y="1266445"/>
-                  </a:lnTo>
-                  <a:lnTo>
-                    <a:pt x="1760194" y="1303513"/>
-                  </a:lnTo>
-                  <a:lnTo>
-                    <a:pt x="1667552" y="1341488"/>
-                  </a:lnTo>
-                  <a:lnTo>
-                    <a:pt x="1574910" y="1380551"/>
-                  </a:lnTo>
-                  <a:lnTo>
-                    <a:pt x="1482268" y="1420893"/>
-                  </a:lnTo>
-                  <a:lnTo>
-                    <a:pt x="1389627" y="1462695"/>
-                  </a:lnTo>
-                  <a:lnTo>
-                    <a:pt x="1296985" y="1506095"/>
-                  </a:lnTo>
-                  <a:lnTo>
-                    <a:pt x="1204343" y="1551154"/>
-                  </a:lnTo>
-                  <a:lnTo>
-                    <a:pt x="1111701" y="1597839"/>
-                  </a:lnTo>
-                  <a:lnTo>
-                    <a:pt x="1019059" y="1646031"/>
-                  </a:lnTo>
-                  <a:lnTo>
-                    <a:pt x="926418" y="1695558"/>
-                  </a:lnTo>
-                  <a:lnTo>
-                    <a:pt x="833776" y="1746221"/>
-                  </a:lnTo>
-                  <a:lnTo>
-                    <a:pt x="741134" y="1797830"/>
-                  </a:lnTo>
-                  <a:lnTo>
-                    <a:pt x="648492" y="1850212"/>
-                  </a:lnTo>
-                  <a:lnTo>
-                    <a:pt x="555850" y="1903225"/>
-                  </a:lnTo>
-                  <a:lnTo>
-                    <a:pt x="463209" y="1956748"/>
-                  </a:lnTo>
-                  <a:lnTo>
-                    <a:pt x="370567" y="2010688"/>
-                  </a:lnTo>
-                  <a:lnTo>
-                    <a:pt x="277925" y="2064968"/>
-                  </a:lnTo>
-                  <a:lnTo>
-                    <a:pt x="185283" y="2119529"/>
-                  </a:lnTo>
-                  <a:lnTo>
-                    <a:pt x="92641" y="2174323"/>
-                  </a:lnTo>
-                  <a:lnTo>
-                    <a:pt x="0" y="2229310"/>
-                  </a:lnTo>
-                  <a:lnTo>
-                    <a:pt x="0" y="2229310"/>
+                    <a:pt x="5495343" y="33252"/>
+                  </a:lnTo>
+                  <a:lnTo>
+                    <a:pt x="5432178" y="66480"/>
+                  </a:lnTo>
+                  <a:lnTo>
+                    <a:pt x="5369013" y="99680"/>
+                  </a:lnTo>
+                  <a:lnTo>
+                    <a:pt x="5305849" y="132850"/>
+                  </a:lnTo>
+                  <a:lnTo>
+                    <a:pt x="5242684" y="165987"/>
+                  </a:lnTo>
+                  <a:lnTo>
+                    <a:pt x="5179519" y="199087"/>
+                  </a:lnTo>
+                  <a:lnTo>
+                    <a:pt x="5116354" y="232148"/>
+                  </a:lnTo>
+                  <a:lnTo>
+                    <a:pt x="5053189" y="265167"/>
+                  </a:lnTo>
+                  <a:lnTo>
+                    <a:pt x="4990024" y="298138"/>
+                  </a:lnTo>
+                  <a:lnTo>
+                    <a:pt x="4926859" y="331058"/>
+                  </a:lnTo>
+                  <a:lnTo>
+                    <a:pt x="4863694" y="363923"/>
+                  </a:lnTo>
+                  <a:lnTo>
+                    <a:pt x="4800530" y="396728"/>
+                  </a:lnTo>
+                  <a:lnTo>
+                    <a:pt x="4737365" y="429467"/>
+                  </a:lnTo>
+                  <a:lnTo>
+                    <a:pt x="4674200" y="462136"/>
+                  </a:lnTo>
+                  <a:lnTo>
+                    <a:pt x="4611035" y="494729"/>
+                  </a:lnTo>
+                  <a:lnTo>
+                    <a:pt x="4547870" y="527239"/>
+                  </a:lnTo>
+                  <a:lnTo>
+                    <a:pt x="4484705" y="559661"/>
+                  </a:lnTo>
+                  <a:lnTo>
+                    <a:pt x="4421540" y="591989"/>
+                  </a:lnTo>
+                  <a:lnTo>
+                    <a:pt x="4358375" y="624215"/>
+                  </a:lnTo>
+                  <a:lnTo>
+                    <a:pt x="4295211" y="656334"/>
+                  </a:lnTo>
+                  <a:lnTo>
+                    <a:pt x="4232046" y="688339"/>
+                  </a:lnTo>
+                  <a:lnTo>
+                    <a:pt x="4168881" y="720223"/>
+                  </a:lnTo>
+                  <a:lnTo>
+                    <a:pt x="4105716" y="751980"/>
+                  </a:lnTo>
+                  <a:lnTo>
+                    <a:pt x="4042551" y="783606"/>
+                  </a:lnTo>
+                  <a:lnTo>
+                    <a:pt x="3979386" y="815094"/>
+                  </a:lnTo>
+                  <a:lnTo>
+                    <a:pt x="3916221" y="846441"/>
+                  </a:lnTo>
+                  <a:lnTo>
+                    <a:pt x="3853057" y="877643"/>
+                  </a:lnTo>
+                  <a:lnTo>
+                    <a:pt x="3789892" y="908700"/>
+                  </a:lnTo>
+                  <a:lnTo>
+                    <a:pt x="3726727" y="939610"/>
+                  </a:lnTo>
+                  <a:lnTo>
+                    <a:pt x="3663562" y="970376"/>
+                  </a:lnTo>
+                  <a:lnTo>
+                    <a:pt x="3600397" y="1001001"/>
+                  </a:lnTo>
+                  <a:lnTo>
+                    <a:pt x="3537232" y="1031491"/>
+                  </a:lnTo>
+                  <a:lnTo>
+                    <a:pt x="3474067" y="1061855"/>
+                  </a:lnTo>
+                  <a:lnTo>
+                    <a:pt x="3410902" y="1092103"/>
+                  </a:lnTo>
+                  <a:lnTo>
+                    <a:pt x="3347738" y="1122248"/>
+                  </a:lnTo>
+                  <a:lnTo>
+                    <a:pt x="3284573" y="1152307"/>
+                  </a:lnTo>
+                  <a:lnTo>
+                    <a:pt x="3221408" y="1182296"/>
+                  </a:lnTo>
+                  <a:lnTo>
+                    <a:pt x="3158243" y="1212236"/>
+                  </a:lnTo>
+                  <a:lnTo>
+                    <a:pt x="3095078" y="1242147"/>
+                  </a:lnTo>
+                  <a:lnTo>
+                    <a:pt x="3031913" y="1272051"/>
+                  </a:lnTo>
+                  <a:lnTo>
+                    <a:pt x="2968748" y="1301971"/>
+                  </a:lnTo>
+                  <a:lnTo>
+                    <a:pt x="2905583" y="1331930"/>
+                  </a:lnTo>
+                  <a:lnTo>
+                    <a:pt x="2842419" y="1361950"/>
+                  </a:lnTo>
+                  <a:lnTo>
+                    <a:pt x="2779254" y="1392051"/>
+                  </a:lnTo>
+                  <a:lnTo>
+                    <a:pt x="2716089" y="1422254"/>
+                  </a:lnTo>
+                  <a:lnTo>
+                    <a:pt x="2652924" y="1452577"/>
+                  </a:lnTo>
+                  <a:lnTo>
+                    <a:pt x="2589759" y="1483035"/>
+                  </a:lnTo>
+                  <a:lnTo>
+                    <a:pt x="2526594" y="1513644"/>
+                  </a:lnTo>
+                  <a:lnTo>
+                    <a:pt x="2463429" y="1544414"/>
+                  </a:lnTo>
+                  <a:lnTo>
+                    <a:pt x="2400265" y="1575356"/>
+                  </a:lnTo>
+                  <a:lnTo>
+                    <a:pt x="2337100" y="1606477"/>
+                  </a:lnTo>
+                  <a:lnTo>
+                    <a:pt x="2273935" y="1637785"/>
+                  </a:lnTo>
+                  <a:lnTo>
+                    <a:pt x="2210770" y="1669284"/>
+                  </a:lnTo>
+                  <a:lnTo>
+                    <a:pt x="2147605" y="1700979"/>
+                  </a:lnTo>
+                  <a:lnTo>
+                    <a:pt x="2084440" y="1732872"/>
+                  </a:lnTo>
+                  <a:lnTo>
+                    <a:pt x="2021275" y="1764968"/>
+                  </a:lnTo>
+                  <a:lnTo>
+                    <a:pt x="1958110" y="1797269"/>
+                  </a:lnTo>
+                  <a:lnTo>
+                    <a:pt x="1894946" y="1829781"/>
+                  </a:lnTo>
+                  <a:lnTo>
+                    <a:pt x="1831781" y="1862509"/>
+                  </a:lnTo>
+                  <a:lnTo>
+                    <a:pt x="1768616" y="1895462"/>
+                  </a:lnTo>
+                  <a:lnTo>
+                    <a:pt x="1705451" y="1928651"/>
+                  </a:lnTo>
+                  <a:lnTo>
+                    <a:pt x="1642286" y="1962090"/>
+                  </a:lnTo>
+                  <a:lnTo>
+                    <a:pt x="1579121" y="1995801"/>
+                  </a:lnTo>
+                  <a:lnTo>
+                    <a:pt x="1515956" y="2029811"/>
+                  </a:lnTo>
+                  <a:lnTo>
+                    <a:pt x="1452791" y="2064154"/>
+                  </a:lnTo>
+                  <a:lnTo>
+                    <a:pt x="1389627" y="2098880"/>
+                  </a:lnTo>
+                  <a:lnTo>
+                    <a:pt x="1326462" y="2134048"/>
+                  </a:lnTo>
+                  <a:lnTo>
+                    <a:pt x="1263297" y="2169740"/>
+                  </a:lnTo>
+                  <a:lnTo>
+                    <a:pt x="1200132" y="2206055"/>
+                  </a:lnTo>
+                  <a:lnTo>
+                    <a:pt x="1136967" y="2243123"/>
+                  </a:lnTo>
+                  <a:lnTo>
+                    <a:pt x="1073802" y="2281099"/>
+                  </a:lnTo>
+                  <a:lnTo>
+                    <a:pt x="1010637" y="2320161"/>
+                  </a:lnTo>
+                  <a:lnTo>
+                    <a:pt x="947473" y="2360503"/>
+                  </a:lnTo>
+                  <a:lnTo>
+                    <a:pt x="884308" y="2402305"/>
+                  </a:lnTo>
+                  <a:lnTo>
+                    <a:pt x="821143" y="2445705"/>
+                  </a:lnTo>
+                  <a:lnTo>
+                    <a:pt x="757978" y="2490764"/>
+                  </a:lnTo>
+                  <a:lnTo>
+                    <a:pt x="694813" y="2537449"/>
+                  </a:lnTo>
+                  <a:lnTo>
+                    <a:pt x="631648" y="2585642"/>
+                  </a:lnTo>
+                  <a:lnTo>
+                    <a:pt x="568483" y="2635168"/>
+                  </a:lnTo>
+                  <a:lnTo>
+                    <a:pt x="505318" y="2685832"/>
+                  </a:lnTo>
+                  <a:lnTo>
+                    <a:pt x="442154" y="2737440"/>
+                  </a:lnTo>
+                  <a:lnTo>
+                    <a:pt x="378989" y="2789823"/>
+                  </a:lnTo>
+                  <a:lnTo>
+                    <a:pt x="315824" y="2842835"/>
+                  </a:lnTo>
+                  <a:lnTo>
+                    <a:pt x="252659" y="2896358"/>
+                  </a:lnTo>
+                  <a:lnTo>
+                    <a:pt x="189494" y="2950298"/>
+                  </a:lnTo>
+                  <a:lnTo>
+                    <a:pt x="126329" y="3004579"/>
+                  </a:lnTo>
+                  <a:lnTo>
+                    <a:pt x="63164" y="3059140"/>
+                  </a:lnTo>
+                  <a:lnTo>
+                    <a:pt x="0" y="3113933"/>
                   </a:lnTo>
                 </a:path>
               </a:pathLst>
@@ -4303,192 +4588,276 @@
           </p:nvSpPr>
           <p:spPr>
             <a:xfrm>
-              <a:off x="2233452" y="2772917"/>
-              <a:ext cx="5558508" cy="2559573"/>
+              <a:off x="2233452" y="1479060"/>
+              <a:ext cx="5558508" cy="3808601"/>
             </a:xfrm>
             <a:custGeom>
               <a:avLst/>
               <a:pathLst>
-                <a:path w="5558508" h="2559573">
+                <a:path w="5558508" h="3808601">
                   <a:moveTo>
-                    <a:pt x="0" y="2559573"/>
+                    <a:pt x="0" y="3808601"/>
                   </a:moveTo>
                   <a:lnTo>
-                    <a:pt x="92641" y="2514744"/>
-                  </a:lnTo>
-                  <a:lnTo>
-                    <a:pt x="185283" y="2469930"/>
-                  </a:lnTo>
-                  <a:lnTo>
-                    <a:pt x="277925" y="2425131"/>
-                  </a:lnTo>
-                  <a:lnTo>
-                    <a:pt x="370567" y="2380351"/>
-                  </a:lnTo>
-                  <a:lnTo>
-                    <a:pt x="463209" y="2335590"/>
-                  </a:lnTo>
-                  <a:lnTo>
-                    <a:pt x="555850" y="2290853"/>
-                  </a:lnTo>
-                  <a:lnTo>
-                    <a:pt x="648492" y="2246142"/>
-                  </a:lnTo>
-                  <a:lnTo>
-                    <a:pt x="741134" y="2201460"/>
-                  </a:lnTo>
-                  <a:lnTo>
-                    <a:pt x="833776" y="2156812"/>
-                  </a:lnTo>
-                  <a:lnTo>
-                    <a:pt x="926418" y="2112200"/>
-                  </a:lnTo>
-                  <a:lnTo>
-                    <a:pt x="1019059" y="2067631"/>
-                  </a:lnTo>
-                  <a:lnTo>
-                    <a:pt x="1111701" y="2023109"/>
-                  </a:lnTo>
-                  <a:lnTo>
-                    <a:pt x="1204343" y="1978641"/>
-                  </a:lnTo>
-                  <a:lnTo>
-                    <a:pt x="1296985" y="1934232"/>
-                  </a:lnTo>
-                  <a:lnTo>
-                    <a:pt x="1389627" y="1889891"/>
-                  </a:lnTo>
-                  <a:lnTo>
-                    <a:pt x="1482268" y="1845626"/>
-                  </a:lnTo>
-                  <a:lnTo>
-                    <a:pt x="1574910" y="1801445"/>
-                  </a:lnTo>
-                  <a:lnTo>
-                    <a:pt x="1667552" y="1757359"/>
-                  </a:lnTo>
-                  <a:lnTo>
-                    <a:pt x="1760194" y="1713378"/>
-                  </a:lnTo>
-                  <a:lnTo>
-                    <a:pt x="1852836" y="1669515"/>
-                  </a:lnTo>
-                  <a:lnTo>
-                    <a:pt x="1945477" y="1625783"/>
-                  </a:lnTo>
-                  <a:lnTo>
-                    <a:pt x="2038119" y="1582195"/>
-                  </a:lnTo>
-                  <a:lnTo>
-                    <a:pt x="2130761" y="1538765"/>
-                  </a:lnTo>
-                  <a:lnTo>
-                    <a:pt x="2223403" y="1495511"/>
-                  </a:lnTo>
-                  <a:lnTo>
-                    <a:pt x="2316045" y="1452446"/>
-                  </a:lnTo>
-                  <a:lnTo>
-                    <a:pt x="2408687" y="1409588"/>
-                  </a:lnTo>
-                  <a:lnTo>
-                    <a:pt x="2501328" y="1366952"/>
-                  </a:lnTo>
-                  <a:lnTo>
-                    <a:pt x="2593970" y="1324552"/>
-                  </a:lnTo>
-                  <a:lnTo>
-                    <a:pt x="2686612" y="1282402"/>
-                  </a:lnTo>
-                  <a:lnTo>
-                    <a:pt x="2779254" y="1240512"/>
-                  </a:lnTo>
-                  <a:lnTo>
-                    <a:pt x="2871896" y="1198889"/>
-                  </a:lnTo>
-                  <a:lnTo>
-                    <a:pt x="2964537" y="1157537"/>
-                  </a:lnTo>
-                  <a:lnTo>
-                    <a:pt x="3057179" y="1116451"/>
-                  </a:lnTo>
-                  <a:lnTo>
-                    <a:pt x="3149821" y="1075623"/>
-                  </a:lnTo>
-                  <a:lnTo>
-                    <a:pt x="3242463" y="1035035"/>
-                  </a:lnTo>
-                  <a:lnTo>
-                    <a:pt x="3335105" y="994665"/>
-                  </a:lnTo>
-                  <a:lnTo>
-                    <a:pt x="3427746" y="954480"/>
-                  </a:lnTo>
-                  <a:lnTo>
-                    <a:pt x="3520388" y="914441"/>
-                  </a:lnTo>
-                  <a:lnTo>
-                    <a:pt x="3613030" y="874504"/>
-                  </a:lnTo>
-                  <a:lnTo>
-                    <a:pt x="3705672" y="834620"/>
-                  </a:lnTo>
-                  <a:lnTo>
-                    <a:pt x="3798314" y="794737"/>
-                  </a:lnTo>
-                  <a:lnTo>
-                    <a:pt x="3890955" y="754806"/>
-                  </a:lnTo>
-                  <a:lnTo>
-                    <a:pt x="3983597" y="714776"/>
-                  </a:lnTo>
-                  <a:lnTo>
-                    <a:pt x="4076239" y="674602"/>
-                  </a:lnTo>
-                  <a:lnTo>
-                    <a:pt x="4168881" y="634246"/>
-                  </a:lnTo>
-                  <a:lnTo>
-                    <a:pt x="4261523" y="593674"/>
-                  </a:lnTo>
-                  <a:lnTo>
-                    <a:pt x="4354165" y="552864"/>
-                  </a:lnTo>
-                  <a:lnTo>
-                    <a:pt x="4446806" y="511796"/>
-                  </a:lnTo>
-                  <a:lnTo>
-                    <a:pt x="4539448" y="470463"/>
-                  </a:lnTo>
-                  <a:lnTo>
-                    <a:pt x="4632090" y="428859"/>
-                  </a:lnTo>
-                  <a:lnTo>
-                    <a:pt x="4724732" y="386988"/>
-                  </a:lnTo>
-                  <a:lnTo>
-                    <a:pt x="4817374" y="344855"/>
-                  </a:lnTo>
-                  <a:lnTo>
-                    <a:pt x="4910015" y="302473"/>
-                  </a:lnTo>
-                  <a:lnTo>
-                    <a:pt x="5002657" y="259853"/>
-                  </a:lnTo>
-                  <a:lnTo>
-                    <a:pt x="5095299" y="217010"/>
-                  </a:lnTo>
-                  <a:lnTo>
-                    <a:pt x="5187941" y="173959"/>
-                  </a:lnTo>
-                  <a:lnTo>
-                    <a:pt x="5280583" y="130717"/>
-                  </a:lnTo>
-                  <a:lnTo>
-                    <a:pt x="5373224" y="87300"/>
-                  </a:lnTo>
-                  <a:lnTo>
-                    <a:pt x="5465866" y="43722"/>
+                    <a:pt x="63164" y="3763786"/>
+                  </a:lnTo>
+                  <a:lnTo>
+                    <a:pt x="126329" y="3718988"/>
+                  </a:lnTo>
+                  <a:lnTo>
+                    <a:pt x="189494" y="3674207"/>
+                  </a:lnTo>
+                  <a:lnTo>
+                    <a:pt x="252659" y="3629447"/>
+                  </a:lnTo>
+                  <a:lnTo>
+                    <a:pt x="315824" y="3584710"/>
+                  </a:lnTo>
+                  <a:lnTo>
+                    <a:pt x="378989" y="3539999"/>
+                  </a:lnTo>
+                  <a:lnTo>
+                    <a:pt x="442154" y="3495317"/>
+                  </a:lnTo>
+                  <a:lnTo>
+                    <a:pt x="505318" y="3450668"/>
+                  </a:lnTo>
+                  <a:lnTo>
+                    <a:pt x="568483" y="3406057"/>
+                  </a:lnTo>
+                  <a:lnTo>
+                    <a:pt x="631648" y="3361488"/>
+                  </a:lnTo>
+                  <a:lnTo>
+                    <a:pt x="694813" y="3316966"/>
+                  </a:lnTo>
+                  <a:lnTo>
+                    <a:pt x="757978" y="3272498"/>
+                  </a:lnTo>
+                  <a:lnTo>
+                    <a:pt x="821143" y="3228089"/>
+                  </a:lnTo>
+                  <a:lnTo>
+                    <a:pt x="884308" y="3183748"/>
+                  </a:lnTo>
+                  <a:lnTo>
+                    <a:pt x="947473" y="3139483"/>
+                  </a:lnTo>
+                  <a:lnTo>
+                    <a:pt x="1010637" y="3095302"/>
+                  </a:lnTo>
+                  <a:lnTo>
+                    <a:pt x="1073802" y="3051216"/>
+                  </a:lnTo>
+                  <a:lnTo>
+                    <a:pt x="1136967" y="3007235"/>
+                  </a:lnTo>
+                  <a:lnTo>
+                    <a:pt x="1200132" y="2963372"/>
+                  </a:lnTo>
+                  <a:lnTo>
+                    <a:pt x="1263297" y="2919639"/>
+                  </a:lnTo>
+                  <a:lnTo>
+                    <a:pt x="1326462" y="2876051"/>
+                  </a:lnTo>
+                  <a:lnTo>
+                    <a:pt x="1389627" y="2832622"/>
+                  </a:lnTo>
+                  <a:lnTo>
+                    <a:pt x="1452791" y="2789367"/>
+                  </a:lnTo>
+                  <a:lnTo>
+                    <a:pt x="1515956" y="2746303"/>
+                  </a:lnTo>
+                  <a:lnTo>
+                    <a:pt x="1579121" y="2703445"/>
+                  </a:lnTo>
+                  <a:lnTo>
+                    <a:pt x="1642286" y="2660809"/>
+                  </a:lnTo>
+                  <a:lnTo>
+                    <a:pt x="1705451" y="2618409"/>
+                  </a:lnTo>
+                  <a:lnTo>
+                    <a:pt x="1768616" y="2576259"/>
+                  </a:lnTo>
+                  <a:lnTo>
+                    <a:pt x="1831781" y="2534369"/>
+                  </a:lnTo>
+                  <a:lnTo>
+                    <a:pt x="1894946" y="2492746"/>
+                  </a:lnTo>
+                  <a:lnTo>
+                    <a:pt x="1958110" y="2451393"/>
+                  </a:lnTo>
+                  <a:lnTo>
+                    <a:pt x="2021275" y="2410308"/>
+                  </a:lnTo>
+                  <a:lnTo>
+                    <a:pt x="2084440" y="2369479"/>
+                  </a:lnTo>
+                  <a:lnTo>
+                    <a:pt x="2147605" y="2328892"/>
+                  </a:lnTo>
+                  <a:lnTo>
+                    <a:pt x="2210770" y="2288522"/>
+                  </a:lnTo>
+                  <a:lnTo>
+                    <a:pt x="2273935" y="2248336"/>
+                  </a:lnTo>
+                  <a:lnTo>
+                    <a:pt x="2337100" y="2208297"/>
+                  </a:lnTo>
+                  <a:lnTo>
+                    <a:pt x="2400265" y="2168360"/>
+                  </a:lnTo>
+                  <a:lnTo>
+                    <a:pt x="2463429" y="2128476"/>
+                  </a:lnTo>
+                  <a:lnTo>
+                    <a:pt x="2526594" y="2088594"/>
+                  </a:lnTo>
+                  <a:lnTo>
+                    <a:pt x="2589759" y="2048663"/>
+                  </a:lnTo>
+                  <a:lnTo>
+                    <a:pt x="2652924" y="2008632"/>
+                  </a:lnTo>
+                  <a:lnTo>
+                    <a:pt x="2716089" y="1968459"/>
+                  </a:lnTo>
+                  <a:lnTo>
+                    <a:pt x="2779254" y="1928102"/>
+                  </a:lnTo>
+                  <a:lnTo>
+                    <a:pt x="2842419" y="1887531"/>
+                  </a:lnTo>
+                  <a:lnTo>
+                    <a:pt x="2905583" y="1846720"/>
+                  </a:lnTo>
+                  <a:lnTo>
+                    <a:pt x="2968748" y="1805653"/>
+                  </a:lnTo>
+                  <a:lnTo>
+                    <a:pt x="3031913" y="1764319"/>
+                  </a:lnTo>
+                  <a:lnTo>
+                    <a:pt x="3095078" y="1722716"/>
+                  </a:lnTo>
+                  <a:lnTo>
+                    <a:pt x="3158243" y="1680844"/>
+                  </a:lnTo>
+                  <a:lnTo>
+                    <a:pt x="3221408" y="1638712"/>
+                  </a:lnTo>
+                  <a:lnTo>
+                    <a:pt x="3284573" y="1596330"/>
+                  </a:lnTo>
+                  <a:lnTo>
+                    <a:pt x="3347738" y="1553709"/>
+                  </a:lnTo>
+                  <a:lnTo>
+                    <a:pt x="3410902" y="1510866"/>
+                  </a:lnTo>
+                  <a:lnTo>
+                    <a:pt x="3474067" y="1467816"/>
+                  </a:lnTo>
+                  <a:lnTo>
+                    <a:pt x="3537232" y="1424574"/>
+                  </a:lnTo>
+                  <a:lnTo>
+                    <a:pt x="3600397" y="1381157"/>
+                  </a:lnTo>
+                  <a:lnTo>
+                    <a:pt x="3663562" y="1337579"/>
+                  </a:lnTo>
+                  <a:lnTo>
+                    <a:pt x="3726727" y="1293856"/>
+                  </a:lnTo>
+                  <a:lnTo>
+                    <a:pt x="3789892" y="1250002"/>
+                  </a:lnTo>
+                  <a:lnTo>
+                    <a:pt x="3853057" y="1206029"/>
+                  </a:lnTo>
+                  <a:lnTo>
+                    <a:pt x="3916221" y="1161950"/>
+                  </a:lnTo>
+                  <a:lnTo>
+                    <a:pt x="3979386" y="1117776"/>
+                  </a:lnTo>
+                  <a:lnTo>
+                    <a:pt x="4042551" y="1073516"/>
+                  </a:lnTo>
+                  <a:lnTo>
+                    <a:pt x="4105716" y="1029180"/>
+                  </a:lnTo>
+                  <a:lnTo>
+                    <a:pt x="4168881" y="984776"/>
+                  </a:lnTo>
+                  <a:lnTo>
+                    <a:pt x="4232046" y="940311"/>
+                  </a:lnTo>
+                  <a:lnTo>
+                    <a:pt x="4295211" y="895793"/>
+                  </a:lnTo>
+                  <a:lnTo>
+                    <a:pt x="4358375" y="851227"/>
+                  </a:lnTo>
+                  <a:lnTo>
+                    <a:pt x="4421540" y="806618"/>
+                  </a:lnTo>
+                  <a:lnTo>
+                    <a:pt x="4484705" y="761972"/>
+                  </a:lnTo>
+                  <a:lnTo>
+                    <a:pt x="4547870" y="717293"/>
+                  </a:lnTo>
+                  <a:lnTo>
+                    <a:pt x="4611035" y="672583"/>
+                  </a:lnTo>
+                  <a:lnTo>
+                    <a:pt x="4674200" y="627848"/>
+                  </a:lnTo>
+                  <a:lnTo>
+                    <a:pt x="4737365" y="583089"/>
+                  </a:lnTo>
+                  <a:lnTo>
+                    <a:pt x="4800530" y="538310"/>
+                  </a:lnTo>
+                  <a:lnTo>
+                    <a:pt x="4863694" y="493513"/>
+                  </a:lnTo>
+                  <a:lnTo>
+                    <a:pt x="4926859" y="448699"/>
+                  </a:lnTo>
+                  <a:lnTo>
+                    <a:pt x="4990024" y="403872"/>
+                  </a:lnTo>
+                  <a:lnTo>
+                    <a:pt x="5053189" y="359031"/>
+                  </a:lnTo>
+                  <a:lnTo>
+                    <a:pt x="5116354" y="314180"/>
+                  </a:lnTo>
+                  <a:lnTo>
+                    <a:pt x="5179519" y="269318"/>
+                  </a:lnTo>
+                  <a:lnTo>
+                    <a:pt x="5242684" y="224448"/>
+                  </a:lnTo>
+                  <a:lnTo>
+                    <a:pt x="5305849" y="179571"/>
+                  </a:lnTo>
+                  <a:lnTo>
+                    <a:pt x="5369013" y="134686"/>
+                  </a:lnTo>
+                  <a:lnTo>
+                    <a:pt x="5432178" y="89796"/>
+                  </a:lnTo>
+                  <a:lnTo>
+                    <a:pt x="5495343" y="44900"/>
                   </a:lnTo>
                   <a:lnTo>
                     <a:pt x="5558508" y="0"/>
@@ -4523,7 +4892,7 @@
           </p:nvSpPr>
           <p:spPr>
             <a:xfrm>
-              <a:off x="2365428" y="5010673"/>
+              <a:off x="2243310" y="5010673"/>
               <a:ext cx="106615" cy="106615"/>
             </a:xfrm>
             <a:prstGeom prst="ellipse">
@@ -4558,7 +4927,7 @@
           </p:nvSpPr>
           <p:spPr>
             <a:xfrm>
-              <a:off x="2458902" y="4829788"/>
+              <a:off x="2307306" y="4829788"/>
               <a:ext cx="104952" cy="104952"/>
             </a:xfrm>
             <a:prstGeom prst="ellipse">
@@ -4593,7 +4962,7 @@
           </p:nvSpPr>
           <p:spPr>
             <a:xfrm>
-              <a:off x="2537932" y="4880357"/>
+              <a:off x="2356859" y="4880357"/>
               <a:ext cx="132175" cy="132175"/>
             </a:xfrm>
             <a:prstGeom prst="ellipse">
@@ -4628,7 +4997,7 @@
           </p:nvSpPr>
           <p:spPr>
             <a:xfrm>
-              <a:off x="2623853" y="5112288"/>
+              <a:off x="2413303" y="5112288"/>
               <a:ext cx="145616" cy="145616"/>
             </a:xfrm>
             <a:prstGeom prst="ellipse">
@@ -4663,7 +5032,7 @@
           </p:nvSpPr>
           <p:spPr>
             <a:xfrm>
-              <a:off x="2732024" y="4821767"/>
+              <a:off x="2491998" y="4821767"/>
               <a:ext cx="114557" cy="114557"/>
             </a:xfrm>
             <a:prstGeom prst="ellipse">
@@ -4698,7 +5067,7 @@
           </p:nvSpPr>
           <p:spPr>
             <a:xfrm>
-              <a:off x="2825166" y="4897956"/>
+              <a:off x="2555663" y="4897956"/>
               <a:ext cx="113557" cy="113557"/>
             </a:xfrm>
             <a:prstGeom prst="ellipse">
@@ -4733,7 +5102,7 @@
           </p:nvSpPr>
           <p:spPr>
             <a:xfrm>
-              <a:off x="2917168" y="4827830"/>
+              <a:off x="2618188" y="4827830"/>
               <a:ext cx="114837" cy="114837"/>
             </a:xfrm>
             <a:prstGeom prst="ellipse">
@@ -4768,7 +5137,7 @@
           </p:nvSpPr>
           <p:spPr>
             <a:xfrm>
-              <a:off x="3019061" y="4509676"/>
+              <a:off x="2690604" y="4509676"/>
               <a:ext cx="96335" cy="96335"/>
             </a:xfrm>
             <a:prstGeom prst="ellipse">
@@ -4803,7 +5172,7 @@
           </p:nvSpPr>
           <p:spPr>
             <a:xfrm>
-              <a:off x="3095629" y="4836845"/>
+              <a:off x="2737695" y="4836845"/>
               <a:ext cx="128481" cy="128481"/>
             </a:xfrm>
             <a:prstGeom prst="ellipse">
@@ -4838,7 +5207,7 @@
           </p:nvSpPr>
           <p:spPr>
             <a:xfrm>
-              <a:off x="3186784" y="4937015"/>
+              <a:off x="2799373" y="4937015"/>
               <a:ext cx="131456" cy="131456"/>
             </a:xfrm>
             <a:prstGeom prst="ellipse">
@@ -4873,7 +5242,7 @@
           </p:nvSpPr>
           <p:spPr>
             <a:xfrm>
-              <a:off x="3277855" y="4768046"/>
+              <a:off x="2860967" y="4768046"/>
               <a:ext cx="134597" cy="134597"/>
             </a:xfrm>
             <a:prstGeom prst="ellipse">
@@ -4908,7 +5277,7 @@
           </p:nvSpPr>
           <p:spPr>
             <a:xfrm>
-              <a:off x="3375357" y="4806792"/>
+              <a:off x="2928992" y="4806792"/>
               <a:ext cx="124877" cy="124877"/>
             </a:xfrm>
             <a:prstGeom prst="ellipse">
@@ -4943,7 +5312,7 @@
           </p:nvSpPr>
           <p:spPr>
             <a:xfrm>
-              <a:off x="3470572" y="4684202"/>
+              <a:off x="2994730" y="4684202"/>
               <a:ext cx="119731" cy="119731"/>
             </a:xfrm>
             <a:prstGeom prst="ellipse">
@@ -4978,7 +5347,7 @@
           </p:nvSpPr>
           <p:spPr>
             <a:xfrm>
-              <a:off x="3566446" y="4462788"/>
+              <a:off x="3061127" y="4462788"/>
               <a:ext cx="113266" cy="113266"/>
             </a:xfrm>
             <a:prstGeom prst="ellipse">
@@ -5013,7 +5382,7 @@
           </p:nvSpPr>
           <p:spPr>
             <a:xfrm>
-              <a:off x="3666482" y="4449828"/>
+              <a:off x="3131686" y="4449828"/>
               <a:ext cx="98478" cy="98478"/>
             </a:xfrm>
             <a:prstGeom prst="ellipse">
@@ -5048,7 +5417,7 @@
           </p:nvSpPr>
           <p:spPr>
             <a:xfrm>
-              <a:off x="3750532" y="4503249"/>
+              <a:off x="3186259" y="4503249"/>
               <a:ext cx="115662" cy="115662"/>
             </a:xfrm>
             <a:prstGeom prst="ellipse">
@@ -5083,7 +5452,7 @@
           </p:nvSpPr>
           <p:spPr>
             <a:xfrm>
-              <a:off x="3838617" y="4545717"/>
+              <a:off x="3244867" y="4545717"/>
               <a:ext cx="124776" cy="124776"/>
             </a:xfrm>
             <a:prstGeom prst="ellipse">
@@ -5118,7 +5487,7 @@
           </p:nvSpPr>
           <p:spPr>
             <a:xfrm>
-              <a:off x="3938073" y="4412749"/>
+              <a:off x="3314847" y="4412749"/>
               <a:ext cx="111146" cy="111146"/>
             </a:xfrm>
             <a:prstGeom prst="ellipse">
@@ -5153,7 +5522,7 @@
           </p:nvSpPr>
           <p:spPr>
             <a:xfrm>
-              <a:off x="4025330" y="4229371"/>
+              <a:off x="3372626" y="4229371"/>
               <a:ext cx="121916" cy="121916"/>
             </a:xfrm>
             <a:prstGeom prst="ellipse">
@@ -5188,7 +5557,7 @@
           </p:nvSpPr>
           <p:spPr>
             <a:xfrm>
-              <a:off x="4119244" y="4210553"/>
+              <a:off x="3437064" y="4210553"/>
               <a:ext cx="119371" cy="119371"/>
             </a:xfrm>
             <a:prstGeom prst="ellipse">
@@ -5223,7 +5592,7 @@
           </p:nvSpPr>
           <p:spPr>
             <a:xfrm>
-              <a:off x="4215012" y="4167924"/>
+              <a:off x="3503355" y="4167924"/>
               <a:ext cx="113119" cy="113119"/>
             </a:xfrm>
             <a:prstGeom prst="ellipse">
@@ -5860,7 +6229,7 @@
           </p:nvSpPr>
           <p:spPr>
             <a:xfrm>
-              <a:off x="2326094" y="6104097"/>
+              <a:off x="2233452" y="6104097"/>
               <a:ext cx="0" cy="34794"/>
             </a:xfrm>
             <a:custGeom>
@@ -5900,7 +6269,7 @@
           </p:nvSpPr>
           <p:spPr>
             <a:xfrm>
-              <a:off x="3623079" y="6104097"/>
+              <a:off x="3117760" y="6104097"/>
               <a:ext cx="0" cy="34794"/>
             </a:xfrm>
             <a:custGeom>
@@ -5940,7 +6309,7 @@
           </p:nvSpPr>
           <p:spPr>
             <a:xfrm>
-              <a:off x="5197990" y="6104097"/>
+              <a:off x="4191563" y="6104097"/>
               <a:ext cx="0" cy="34794"/>
             </a:xfrm>
             <a:custGeom>
@@ -5980,7 +6349,7 @@
           </p:nvSpPr>
           <p:spPr>
             <a:xfrm>
-              <a:off x="6494975" y="6104097"/>
+              <a:off x="5075871" y="6104097"/>
               <a:ext cx="0" cy="34794"/>
             </a:xfrm>
             <a:custGeom>
@@ -6020,7 +6389,7 @@
           </p:nvSpPr>
           <p:spPr>
             <a:xfrm>
-              <a:off x="7791961" y="6104097"/>
+              <a:off x="5960180" y="6104097"/>
               <a:ext cx="0" cy="34794"/>
             </a:xfrm>
             <a:custGeom>
@@ -6054,13 +6423,53 @@
         </p:sp>
         <p:sp>
           <p:nvSpPr>
-            <p:cNvPr id="56" name="tx56"/>
-            <p:cNvSpPr/>
-            <p:nvPr/>
-          </p:nvSpPr>
-          <p:spPr>
-            <a:xfrm>
-              <a:off x="2143065" y="6164882"/>
+            <p:cNvPr id="56" name="pl56"/>
+            <p:cNvSpPr/>
+            <p:nvPr/>
+          </p:nvSpPr>
+          <p:spPr>
+            <a:xfrm>
+              <a:off x="6844488" y="6104097"/>
+              <a:ext cx="0" cy="34794"/>
+            </a:xfrm>
+            <a:custGeom>
+              <a:avLst/>
+              <a:pathLst>
+                <a:path w="0" h="34794">
+                  <a:moveTo>
+                    <a:pt x="0" y="34794"/>
+                  </a:moveTo>
+                  <a:lnTo>
+                    <a:pt x="0" y="0"/>
+                  </a:lnTo>
+                </a:path>
+              </a:pathLst>
+            </a:custGeom>
+            <a:ln w="13550" cap="flat">
+              <a:solidFill>
+                <a:srgbClr val="333333">
+                  <a:alpha val="100000"/>
+                </a:srgbClr>
+              </a:solidFill>
+              <a:prstDash val="solid"/>
+              <a:round/>
+            </a:ln>
+          </p:spPr>
+          <p:txBody>
+            <a:bodyPr/>
+            <a:lstStyle/>
+            <a:p/>
+          </p:txBody>
+        </p:sp>
+        <p:sp>
+          <p:nvSpPr>
+            <p:cNvPr id="57" name="tx57"/>
+            <p:cNvSpPr/>
+            <p:nvPr/>
+          </p:nvSpPr>
+          <p:spPr>
+            <a:xfrm>
+              <a:off x="2050423" y="6164882"/>
               <a:ext cx="366057" cy="89118"/>
             </a:xfrm>
             <a:prstGeom prst="rect">
@@ -6100,13 +6509,13 @@
         </p:sp>
         <p:sp>
           <p:nvSpPr>
-            <p:cNvPr id="57" name="tx57"/>
-            <p:cNvSpPr/>
-            <p:nvPr/>
-          </p:nvSpPr>
-          <p:spPr>
-            <a:xfrm>
-              <a:off x="3440051" y="6164882"/>
+            <p:cNvPr id="58" name="tx58"/>
+            <p:cNvSpPr/>
+            <p:nvPr/>
+          </p:nvSpPr>
+          <p:spPr>
+            <a:xfrm>
+              <a:off x="2934732" y="6164882"/>
               <a:ext cx="366057" cy="89118"/>
             </a:xfrm>
             <a:prstGeom prst="rect">
@@ -6146,13 +6555,13 @@
         </p:sp>
         <p:sp>
           <p:nvSpPr>
-            <p:cNvPr id="58" name="tx58"/>
-            <p:cNvSpPr/>
-            <p:nvPr/>
-          </p:nvSpPr>
-          <p:spPr>
-            <a:xfrm>
-              <a:off x="5008205" y="6164882"/>
+            <p:cNvPr id="59" name="tx59"/>
+            <p:cNvSpPr/>
+            <p:nvPr/>
+          </p:nvSpPr>
+          <p:spPr>
+            <a:xfrm>
+              <a:off x="4001778" y="6164882"/>
               <a:ext cx="379571" cy="89118"/>
             </a:xfrm>
             <a:prstGeom prst="rect">
@@ -6192,13 +6601,13 @@
         </p:sp>
         <p:sp>
           <p:nvSpPr>
-            <p:cNvPr id="59" name="tx59"/>
-            <p:cNvSpPr/>
-            <p:nvPr/>
-          </p:nvSpPr>
-          <p:spPr>
-            <a:xfrm>
-              <a:off x="6305190" y="6164882"/>
+            <p:cNvPr id="60" name="tx60"/>
+            <p:cNvSpPr/>
+            <p:nvPr/>
+          </p:nvSpPr>
+          <p:spPr>
+            <a:xfrm>
+              <a:off x="4886086" y="6164882"/>
               <a:ext cx="379571" cy="89118"/>
             </a:xfrm>
             <a:prstGeom prst="rect">
@@ -6238,13 +6647,13 @@
         </p:sp>
         <p:sp>
           <p:nvSpPr>
-            <p:cNvPr id="60" name="tx60"/>
-            <p:cNvSpPr/>
-            <p:nvPr/>
-          </p:nvSpPr>
-          <p:spPr>
-            <a:xfrm>
-              <a:off x="7602235" y="6164882"/>
+            <p:cNvPr id="61" name="tx61"/>
+            <p:cNvSpPr/>
+            <p:nvPr/>
+          </p:nvSpPr>
+          <p:spPr>
+            <a:xfrm>
+              <a:off x="5770453" y="6164882"/>
               <a:ext cx="379452" cy="89118"/>
             </a:xfrm>
             <a:prstGeom prst="rect">
@@ -6284,7 +6693,53 @@
         </p:sp>
         <p:sp>
           <p:nvSpPr>
-            <p:cNvPr id="61" name="tx61"/>
+            <p:cNvPr id="62" name="tx62"/>
+            <p:cNvSpPr/>
+            <p:nvPr/>
+          </p:nvSpPr>
+          <p:spPr>
+            <a:xfrm>
+              <a:off x="6654762" y="6164882"/>
+              <a:ext cx="379452" cy="89118"/>
+            </a:xfrm>
+            <a:prstGeom prst="rect">
+              <a:avLst/>
+            </a:prstGeom>
+            <a:noFill/>
+          </p:spPr>
+          <p:txBody>
+            <a:bodyPr lIns="0" rIns="0" tIns="0" bIns="0" anchorCtr="1" anchor="ctr" wrap="none"/>
+            <a:lstStyle/>
+            <a:p>
+              <a:pPr algn="l" marL="0" marR="0" indent="0">
+                <a:lnSpc>
+                  <a:spcPts val="960"/>
+                </a:lnSpc>
+                <a:spcBef>
+                  <a:spcPts val="0"/>
+                </a:spcBef>
+                <a:spcAft>
+                  <a:spcPts val="0"/>
+                </a:spcAft>
+              </a:pPr>
+              <a:r>
+                <a:rPr sz="960">
+                  <a:solidFill>
+                    <a:srgbClr val="4D4D4D">
+                      <a:alpha val="100000"/>
+                    </a:srgbClr>
+                  </a:solidFill>
+                  <a:latin typeface="Arial"/>
+                  <a:cs typeface="Arial"/>
+                </a:rPr>
+                <a:t>Mar 15</a:t>
+              </a:r>
+            </a:p>
+          </p:txBody>
+        </p:sp>
+        <p:sp>
+          <p:nvSpPr>
+            <p:cNvPr id="63" name="tx63"/>
             <p:cNvSpPr/>
             <p:nvPr/>
           </p:nvSpPr>
@@ -6330,7 +6785,7 @@
         </p:sp>
         <p:sp>
           <p:nvSpPr>
-            <p:cNvPr id="62" name="tx62"/>
+            <p:cNvPr id="64" name="tx64"/>
             <p:cNvSpPr/>
             <p:nvPr/>
           </p:nvSpPr>
@@ -6376,7 +6831,7 @@
         </p:sp>
         <p:sp>
           <p:nvSpPr>
-            <p:cNvPr id="63" name="rc63"/>
+            <p:cNvPr id="65" name="rc65"/>
             <p:cNvSpPr/>
             <p:nvPr/>
           </p:nvSpPr>
@@ -6402,7 +6857,7 @@
         </p:sp>
         <p:sp>
           <p:nvSpPr>
-            <p:cNvPr id="64" name="tx64"/>
+            <p:cNvPr id="66" name="tx66"/>
             <p:cNvSpPr/>
             <p:nvPr/>
           </p:nvSpPr>
@@ -6448,7 +6903,7 @@
         </p:sp>
         <p:sp>
           <p:nvSpPr>
-            <p:cNvPr id="65" name="tx65"/>
+            <p:cNvPr id="67" name="tx67"/>
             <p:cNvSpPr/>
             <p:nvPr/>
           </p:nvSpPr>
@@ -6494,7 +6949,7 @@
         </p:sp>
         <p:sp>
           <p:nvSpPr>
-            <p:cNvPr id="66" name="rc66"/>
+            <p:cNvPr id="68" name="rc68"/>
             <p:cNvSpPr/>
             <p:nvPr/>
           </p:nvSpPr>
@@ -6515,7 +6970,7 @@
         </p:sp>
         <p:sp>
           <p:nvSpPr>
-            <p:cNvPr id="67" name="pt67"/>
+            <p:cNvPr id="69" name="pt69"/>
             <p:cNvSpPr/>
             <p:nvPr/>
           </p:nvSpPr>
@@ -6550,7 +7005,7 @@
         </p:sp>
         <p:sp>
           <p:nvSpPr>
-            <p:cNvPr id="68" name="rc68"/>
+            <p:cNvPr id="70" name="rc70"/>
             <p:cNvSpPr/>
             <p:nvPr/>
           </p:nvSpPr>
@@ -6571,7 +7026,7 @@
         </p:sp>
         <p:sp>
           <p:nvSpPr>
-            <p:cNvPr id="69" name="pt69"/>
+            <p:cNvPr id="71" name="pt71"/>
             <p:cNvSpPr/>
             <p:nvPr/>
           </p:nvSpPr>
@@ -6606,7 +7061,7 @@
         </p:sp>
         <p:sp>
           <p:nvSpPr>
-            <p:cNvPr id="70" name="rc70"/>
+            <p:cNvPr id="72" name="rc72"/>
             <p:cNvSpPr/>
             <p:nvPr/>
           </p:nvSpPr>
@@ -6627,7 +7082,7 @@
         </p:sp>
         <p:sp>
           <p:nvSpPr>
-            <p:cNvPr id="71" name="pt71"/>
+            <p:cNvPr id="73" name="pt73"/>
             <p:cNvSpPr/>
             <p:nvPr/>
           </p:nvSpPr>
@@ -6662,7 +7117,7 @@
         </p:sp>
         <p:sp>
           <p:nvSpPr>
-            <p:cNvPr id="72" name="rc72"/>
+            <p:cNvPr id="74" name="rc74"/>
             <p:cNvSpPr/>
             <p:nvPr/>
           </p:nvSpPr>
@@ -6683,7 +7138,7 @@
         </p:sp>
         <p:sp>
           <p:nvSpPr>
-            <p:cNvPr id="73" name="pt73"/>
+            <p:cNvPr id="75" name="pt75"/>
             <p:cNvSpPr/>
             <p:nvPr/>
           </p:nvSpPr>
@@ -6718,7 +7173,7 @@
         </p:sp>
         <p:sp>
           <p:nvSpPr>
-            <p:cNvPr id="74" name="rc74"/>
+            <p:cNvPr id="76" name="rc76"/>
             <p:cNvSpPr/>
             <p:nvPr/>
           </p:nvSpPr>
@@ -6739,7 +7194,7 @@
         </p:sp>
         <p:sp>
           <p:nvSpPr>
-            <p:cNvPr id="75" name="pt75"/>
+            <p:cNvPr id="77" name="pt77"/>
             <p:cNvSpPr/>
             <p:nvPr/>
           </p:nvSpPr>
@@ -6774,7 +7229,7 @@
         </p:sp>
         <p:sp>
           <p:nvSpPr>
-            <p:cNvPr id="76" name="tx76"/>
+            <p:cNvPr id="78" name="tx78"/>
             <p:cNvSpPr/>
             <p:nvPr/>
           </p:nvSpPr>
@@ -6820,7 +7275,7 @@
         </p:sp>
         <p:sp>
           <p:nvSpPr>
-            <p:cNvPr id="77" name="tx77"/>
+            <p:cNvPr id="79" name="tx79"/>
             <p:cNvSpPr/>
             <p:nvPr/>
           </p:nvSpPr>
@@ -6866,7 +7321,7 @@
         </p:sp>
         <p:sp>
           <p:nvSpPr>
-            <p:cNvPr id="78" name="tx78"/>
+            <p:cNvPr id="80" name="tx80"/>
             <p:cNvSpPr/>
             <p:nvPr/>
           </p:nvSpPr>
@@ -6912,7 +7367,7 @@
         </p:sp>
         <p:sp>
           <p:nvSpPr>
-            <p:cNvPr id="79" name="tx79"/>
+            <p:cNvPr id="81" name="tx81"/>
             <p:cNvSpPr/>
             <p:nvPr/>
           </p:nvSpPr>
@@ -6958,7 +7413,7 @@
         </p:sp>
         <p:sp>
           <p:nvSpPr>
-            <p:cNvPr id="80" name="tx80"/>
+            <p:cNvPr id="82" name="tx82"/>
             <p:cNvSpPr/>
             <p:nvPr/>
           </p:nvSpPr>

--- a/plots/fit1_binomGLMM_VOC_Belgium.pptx
+++ b/plots/fit1_binomGLMM_VOC_Belgium.pptx
@@ -4892,8 +4892,8 @@
           </p:nvSpPr>
           <p:spPr>
             <a:xfrm>
-              <a:off x="2243310" y="5010673"/>
-              <a:ext cx="106615" cy="106615"/>
+              <a:off x="2187636" y="4811569"/>
+              <a:ext cx="91631" cy="91631"/>
             </a:xfrm>
             <a:prstGeom prst="ellipse">
               <a:avLst/>
@@ -4927,8 +4927,8 @@
           </p:nvSpPr>
           <p:spPr>
             <a:xfrm>
-              <a:off x="2307306" y="4829788"/>
-              <a:ext cx="104952" cy="104952"/>
+              <a:off x="2243292" y="5010655"/>
+              <a:ext cx="106651" cy="106651"/>
             </a:xfrm>
             <a:prstGeom prst="ellipse">
               <a:avLst/>
@@ -4962,8 +4962,8 @@
           </p:nvSpPr>
           <p:spPr>
             <a:xfrm>
-              <a:off x="2356859" y="4880357"/>
-              <a:ext cx="132175" cy="132175"/>
+              <a:off x="2306603" y="4829085"/>
+              <a:ext cx="106357" cy="106357"/>
             </a:xfrm>
             <a:prstGeom prst="ellipse">
               <a:avLst/>
@@ -4997,8 +4997,8 @@
           </p:nvSpPr>
           <p:spPr>
             <a:xfrm>
-              <a:off x="2413303" y="5112288"/>
-              <a:ext cx="145616" cy="145616"/>
+              <a:off x="2367112" y="4890610"/>
+              <a:ext cx="111669" cy="111669"/>
             </a:xfrm>
             <a:prstGeom prst="ellipse">
               <a:avLst/>
@@ -5032,8 +5032,8 @@
           </p:nvSpPr>
           <p:spPr>
             <a:xfrm>
-              <a:off x="2491998" y="4821767"/>
-              <a:ext cx="114557" cy="114557"/>
+              <a:off x="2428784" y="5127768"/>
+              <a:ext cx="114656" cy="114656"/>
             </a:xfrm>
             <a:prstGeom prst="ellipse">
               <a:avLst/>
@@ -5067,8 +5067,8 @@
           </p:nvSpPr>
           <p:spPr>
             <a:xfrm>
-              <a:off x="2555663" y="4897956"/>
-              <a:ext cx="113557" cy="113557"/>
+              <a:off x="2495221" y="4824990"/>
+              <a:ext cx="108111" cy="108111"/>
             </a:xfrm>
             <a:prstGeom prst="ellipse">
               <a:avLst/>
@@ -5102,8 +5102,8 @@
           </p:nvSpPr>
           <p:spPr>
             <a:xfrm>
-              <a:off x="2618188" y="4827830"/>
-              <a:ext cx="114837" cy="114837"/>
+              <a:off x="2558480" y="4900773"/>
+              <a:ext cx="107922" cy="107922"/>
             </a:xfrm>
             <a:prstGeom prst="ellipse">
               <a:avLst/>
@@ -5137,8 +5137,8 @@
           </p:nvSpPr>
           <p:spPr>
             <a:xfrm>
-              <a:off x="2690604" y="4509676"/>
-              <a:ext cx="96335" cy="96335"/>
+              <a:off x="2621524" y="4831166"/>
+              <a:ext cx="108164" cy="108164"/>
             </a:xfrm>
             <a:prstGeom prst="ellipse">
               <a:avLst/>
@@ -5172,8 +5172,8 @@
           </p:nvSpPr>
           <p:spPr>
             <a:xfrm>
-              <a:off x="2737695" y="4836845"/>
-              <a:ext cx="128481" cy="128481"/>
+              <a:off x="2686320" y="4505392"/>
+              <a:ext cx="104901" cy="104901"/>
             </a:xfrm>
             <a:prstGeom prst="ellipse">
               <a:avLst/>
@@ -5207,8 +5207,8 @@
           </p:nvSpPr>
           <p:spPr>
             <a:xfrm>
-              <a:off x="2799373" y="4937015"/>
-              <a:ext cx="131456" cy="131456"/>
+              <a:off x="2746492" y="4845642"/>
+              <a:ext cx="110888" cy="110888"/>
             </a:xfrm>
             <a:prstGeom prst="ellipse">
               <a:avLst/>
@@ -5242,8 +5242,8 @@
           </p:nvSpPr>
           <p:spPr>
             <a:xfrm>
-              <a:off x="2860967" y="4768046"/>
-              <a:ext cx="134597" cy="134597"/>
+              <a:off x="2809343" y="4946985"/>
+              <a:ext cx="111516" cy="111516"/>
             </a:xfrm>
             <a:prstGeom prst="ellipse">
               <a:avLst/>
@@ -5277,8 +5277,8 @@
           </p:nvSpPr>
           <p:spPr>
             <a:xfrm>
-              <a:off x="2928992" y="4806792"/>
-              <a:ext cx="124877" cy="124877"/>
+              <a:off x="2872170" y="4779249"/>
+              <a:ext cx="112191" cy="112191"/>
             </a:xfrm>
             <a:prstGeom prst="ellipse">
               <a:avLst/>
@@ -5312,8 +5312,8 @@
           </p:nvSpPr>
           <p:spPr>
             <a:xfrm>
-              <a:off x="2994730" y="4684202"/>
-              <a:ext cx="119731" cy="119731"/>
+              <a:off x="2936358" y="4814158"/>
+              <a:ext cx="110144" cy="110144"/>
             </a:xfrm>
             <a:prstGeom prst="ellipse">
               <a:avLst/>
@@ -5347,8 +5347,8 @@
           </p:nvSpPr>
           <p:spPr>
             <a:xfrm>
-              <a:off x="3061127" y="4462788"/>
-              <a:ext cx="113266" cy="113266"/>
+              <a:off x="3000039" y="4689512"/>
+              <a:ext cx="109112" cy="109112"/>
             </a:xfrm>
             <a:prstGeom prst="ellipse">
               <a:avLst/>
@@ -5382,8 +5382,8 @@
           </p:nvSpPr>
           <p:spPr>
             <a:xfrm>
-              <a:off x="3131686" y="4449828"/>
-              <a:ext cx="98478" cy="98478"/>
+              <a:off x="3063826" y="4465487"/>
+              <a:ext cx="107867" cy="107867"/>
             </a:xfrm>
             <a:prstGeom prst="ellipse">
               <a:avLst/>
@@ -5417,8 +5417,8 @@
           </p:nvSpPr>
           <p:spPr>
             <a:xfrm>
-              <a:off x="3186259" y="4503249"/>
-              <a:ext cx="115662" cy="115662"/>
+              <a:off x="3128299" y="4446440"/>
+              <a:ext cx="105252" cy="105252"/>
             </a:xfrm>
             <a:prstGeom prst="ellipse">
               <a:avLst/>
@@ -5452,8 +5452,8 @@
           </p:nvSpPr>
           <p:spPr>
             <a:xfrm>
-              <a:off x="3244867" y="4545717"/>
-              <a:ext cx="124776" cy="124776"/>
+              <a:off x="3189929" y="4506919"/>
+              <a:ext cx="108322" cy="108322"/>
             </a:xfrm>
             <a:prstGeom prst="ellipse">
               <a:avLst/>
@@ -5487,8 +5487,8 @@
           </p:nvSpPr>
           <p:spPr>
             <a:xfrm>
-              <a:off x="3314847" y="4412749"/>
-              <a:ext cx="111146" cy="111146"/>
+              <a:off x="3252193" y="4553043"/>
+              <a:ext cx="110123" cy="110123"/>
             </a:xfrm>
             <a:prstGeom prst="ellipse">
               <a:avLst/>
@@ -5522,8 +5522,8 @@
           </p:nvSpPr>
           <p:spPr>
             <a:xfrm>
-              <a:off x="3372626" y="4229371"/>
-              <a:ext cx="121916" cy="121916"/>
+              <a:off x="3316683" y="4414586"/>
+              <a:ext cx="107473" cy="107473"/>
             </a:xfrm>
             <a:prstGeom prst="ellipse">
               <a:avLst/>
@@ -5557,8 +5557,8 @@
           </p:nvSpPr>
           <p:spPr>
             <a:xfrm>
-              <a:off x="3437064" y="4210553"/>
-              <a:ext cx="119371" cy="119371"/>
+              <a:off x="3378812" y="4235556"/>
+              <a:ext cx="109546" cy="109546"/>
             </a:xfrm>
             <a:prstGeom prst="ellipse">
               <a:avLst/>
@@ -5592,8 +5592,8 @@
           </p:nvSpPr>
           <p:spPr>
             <a:xfrm>
-              <a:off x="3503355" y="4167924"/>
-              <a:ext cx="113119" cy="113119"/>
+              <a:off x="3442229" y="4215718"/>
+              <a:ext cx="109041" cy="109041"/>
             </a:xfrm>
             <a:prstGeom prst="ellipse">
               <a:avLst/>
@@ -5621,7 +5621,42 @@
         </p:sp>
         <p:sp>
           <p:nvSpPr>
-            <p:cNvPr id="37" name="tx37"/>
+            <p:cNvPr id="37" name="pt37"/>
+            <p:cNvSpPr/>
+            <p:nvPr/>
+          </p:nvSpPr>
+          <p:spPr>
+            <a:xfrm>
+              <a:off x="3505994" y="4170563"/>
+              <a:ext cx="107840" cy="107840"/>
+            </a:xfrm>
+            <a:prstGeom prst="ellipse">
+              <a:avLst/>
+            </a:prstGeom>
+            <a:solidFill>
+              <a:srgbClr val="4682B4">
+                <a:alpha val="50196"/>
+              </a:srgbClr>
+            </a:solidFill>
+            <a:ln w="9000" cap="rnd">
+              <a:solidFill>
+                <a:srgbClr val="4682B4">
+                  <a:alpha val="50196"/>
+                </a:srgbClr>
+              </a:solidFill>
+              <a:prstDash val="solid"/>
+              <a:round/>
+            </a:ln>
+          </p:spPr>
+          <p:txBody>
+            <a:bodyPr/>
+            <a:lstStyle/>
+            <a:p/>
+          </p:txBody>
+        </p:sp>
+        <p:sp>
+          <p:nvSpPr>
+            <p:cNvPr id="38" name="tx38"/>
             <p:cNvSpPr/>
             <p:nvPr/>
           </p:nvSpPr>
@@ -5667,7 +5702,7 @@
         </p:sp>
         <p:sp>
           <p:nvSpPr>
-            <p:cNvPr id="38" name="tx38"/>
+            <p:cNvPr id="39" name="tx39"/>
             <p:cNvSpPr/>
             <p:nvPr/>
           </p:nvSpPr>
@@ -5713,7 +5748,7 @@
         </p:sp>
         <p:sp>
           <p:nvSpPr>
-            <p:cNvPr id="39" name="tx39"/>
+            <p:cNvPr id="40" name="tx40"/>
             <p:cNvSpPr/>
             <p:nvPr/>
           </p:nvSpPr>
@@ -5759,7 +5794,7 @@
         </p:sp>
         <p:sp>
           <p:nvSpPr>
-            <p:cNvPr id="40" name="tx40"/>
+            <p:cNvPr id="41" name="tx41"/>
             <p:cNvSpPr/>
             <p:nvPr/>
           </p:nvSpPr>
@@ -5805,7 +5840,7 @@
         </p:sp>
         <p:sp>
           <p:nvSpPr>
-            <p:cNvPr id="41" name="tx41"/>
+            <p:cNvPr id="42" name="tx42"/>
             <p:cNvSpPr/>
             <p:nvPr/>
           </p:nvSpPr>
@@ -5851,7 +5886,7 @@
         </p:sp>
         <p:sp>
           <p:nvSpPr>
-            <p:cNvPr id="42" name="tx42"/>
+            <p:cNvPr id="43" name="tx43"/>
             <p:cNvSpPr/>
             <p:nvPr/>
           </p:nvSpPr>
@@ -5897,7 +5932,7 @@
         </p:sp>
         <p:sp>
           <p:nvSpPr>
-            <p:cNvPr id="43" name="tx43"/>
+            <p:cNvPr id="44" name="tx44"/>
             <p:cNvSpPr/>
             <p:nvPr/>
           </p:nvSpPr>
@@ -5943,7 +5978,7 @@
         </p:sp>
         <p:sp>
           <p:nvSpPr>
-            <p:cNvPr id="44" name="pl44"/>
+            <p:cNvPr id="45" name="pl45"/>
             <p:cNvSpPr/>
             <p:nvPr/>
           </p:nvSpPr>
@@ -5983,7 +6018,7 @@
         </p:sp>
         <p:sp>
           <p:nvSpPr>
-            <p:cNvPr id="45" name="pl45"/>
+            <p:cNvPr id="46" name="pl46"/>
             <p:cNvSpPr/>
             <p:nvPr/>
           </p:nvSpPr>
@@ -6023,7 +6058,7 @@
         </p:sp>
         <p:sp>
           <p:nvSpPr>
-            <p:cNvPr id="46" name="pl46"/>
+            <p:cNvPr id="47" name="pl47"/>
             <p:cNvSpPr/>
             <p:nvPr/>
           </p:nvSpPr>
@@ -6063,7 +6098,7 @@
         </p:sp>
         <p:sp>
           <p:nvSpPr>
-            <p:cNvPr id="47" name="pl47"/>
+            <p:cNvPr id="48" name="pl48"/>
             <p:cNvSpPr/>
             <p:nvPr/>
           </p:nvSpPr>
@@ -6103,7 +6138,7 @@
         </p:sp>
         <p:sp>
           <p:nvSpPr>
-            <p:cNvPr id="48" name="pl48"/>
+            <p:cNvPr id="49" name="pl49"/>
             <p:cNvSpPr/>
             <p:nvPr/>
           </p:nvSpPr>
@@ -6143,7 +6178,7 @@
         </p:sp>
         <p:sp>
           <p:nvSpPr>
-            <p:cNvPr id="49" name="pl49"/>
+            <p:cNvPr id="50" name="pl50"/>
             <p:cNvSpPr/>
             <p:nvPr/>
           </p:nvSpPr>
@@ -6183,7 +6218,7 @@
         </p:sp>
         <p:sp>
           <p:nvSpPr>
-            <p:cNvPr id="50" name="pl50"/>
+            <p:cNvPr id="51" name="pl51"/>
             <p:cNvSpPr/>
             <p:nvPr/>
           </p:nvSpPr>
@@ -6223,7 +6258,7 @@
         </p:sp>
         <p:sp>
           <p:nvSpPr>
-            <p:cNvPr id="51" name="pl51"/>
+            <p:cNvPr id="52" name="pl52"/>
             <p:cNvSpPr/>
             <p:nvPr/>
           </p:nvSpPr>
@@ -6263,7 +6298,7 @@
         </p:sp>
         <p:sp>
           <p:nvSpPr>
-            <p:cNvPr id="52" name="pl52"/>
+            <p:cNvPr id="53" name="pl53"/>
             <p:cNvSpPr/>
             <p:nvPr/>
           </p:nvSpPr>
@@ -6303,7 +6338,7 @@
         </p:sp>
         <p:sp>
           <p:nvSpPr>
-            <p:cNvPr id="53" name="pl53"/>
+            <p:cNvPr id="54" name="pl54"/>
             <p:cNvSpPr/>
             <p:nvPr/>
           </p:nvSpPr>
@@ -6343,7 +6378,7 @@
         </p:sp>
         <p:sp>
           <p:nvSpPr>
-            <p:cNvPr id="54" name="pl54"/>
+            <p:cNvPr id="55" name="pl55"/>
             <p:cNvSpPr/>
             <p:nvPr/>
           </p:nvSpPr>
@@ -6383,7 +6418,7 @@
         </p:sp>
         <p:sp>
           <p:nvSpPr>
-            <p:cNvPr id="55" name="pl55"/>
+            <p:cNvPr id="56" name="pl56"/>
             <p:cNvSpPr/>
             <p:nvPr/>
           </p:nvSpPr>
@@ -6423,7 +6458,7 @@
         </p:sp>
         <p:sp>
           <p:nvSpPr>
-            <p:cNvPr id="56" name="pl56"/>
+            <p:cNvPr id="57" name="pl57"/>
             <p:cNvSpPr/>
             <p:nvPr/>
           </p:nvSpPr>
@@ -6463,7 +6498,7 @@
         </p:sp>
         <p:sp>
           <p:nvSpPr>
-            <p:cNvPr id="57" name="tx57"/>
+            <p:cNvPr id="58" name="tx58"/>
             <p:cNvSpPr/>
             <p:nvPr/>
           </p:nvSpPr>
@@ -6509,7 +6544,7 @@
         </p:sp>
         <p:sp>
           <p:nvSpPr>
-            <p:cNvPr id="58" name="tx58"/>
+            <p:cNvPr id="59" name="tx59"/>
             <p:cNvSpPr/>
             <p:nvPr/>
           </p:nvSpPr>
@@ -6555,7 +6590,7 @@
         </p:sp>
         <p:sp>
           <p:nvSpPr>
-            <p:cNvPr id="59" name="tx59"/>
+            <p:cNvPr id="60" name="tx60"/>
             <p:cNvSpPr/>
             <p:nvPr/>
           </p:nvSpPr>
@@ -6601,7 +6636,7 @@
         </p:sp>
         <p:sp>
           <p:nvSpPr>
-            <p:cNvPr id="60" name="tx60"/>
+            <p:cNvPr id="61" name="tx61"/>
             <p:cNvSpPr/>
             <p:nvPr/>
           </p:nvSpPr>
@@ -6647,7 +6682,7 @@
         </p:sp>
         <p:sp>
           <p:nvSpPr>
-            <p:cNvPr id="61" name="tx61"/>
+            <p:cNvPr id="62" name="tx62"/>
             <p:cNvSpPr/>
             <p:nvPr/>
           </p:nvSpPr>
@@ -6693,7 +6728,7 @@
         </p:sp>
         <p:sp>
           <p:nvSpPr>
-            <p:cNvPr id="62" name="tx62"/>
+            <p:cNvPr id="63" name="tx63"/>
             <p:cNvSpPr/>
             <p:nvPr/>
           </p:nvSpPr>
@@ -6739,7 +6774,7 @@
         </p:sp>
         <p:sp>
           <p:nvSpPr>
-            <p:cNvPr id="63" name="tx63"/>
+            <p:cNvPr id="64" name="tx64"/>
             <p:cNvSpPr/>
             <p:nvPr/>
           </p:nvSpPr>
@@ -6785,7 +6820,7 @@
         </p:sp>
         <p:sp>
           <p:nvSpPr>
-            <p:cNvPr id="64" name="tx64"/>
+            <p:cNvPr id="65" name="tx65"/>
             <p:cNvSpPr/>
             <p:nvPr/>
           </p:nvSpPr>
@@ -6831,14 +6866,14 @@
         </p:sp>
         <p:sp>
           <p:nvSpPr>
-            <p:cNvPr id="65" name="rc65"/>
+            <p:cNvPr id="66" name="rc66"/>
             <p:cNvSpPr/>
             <p:nvPr/>
           </p:nvSpPr>
           <p:spPr>
             <a:xfrm>
-              <a:off x="7931139" y="2791273"/>
-              <a:ext cx="1005953" cy="1629365"/>
+              <a:off x="7931139" y="2901001"/>
+              <a:ext cx="1005953" cy="1409909"/>
             </a:xfrm>
             <a:prstGeom prst="rect">
               <a:avLst/>
@@ -6857,13 +6892,13 @@
         </p:sp>
         <p:sp>
           <p:nvSpPr>
-            <p:cNvPr id="66" name="tx66"/>
+            <p:cNvPr id="67" name="tx67"/>
             <p:cNvSpPr/>
             <p:nvPr/>
           </p:nvSpPr>
           <p:spPr>
             <a:xfrm>
-              <a:off x="8000728" y="2878870"/>
+              <a:off x="8000728" y="2988598"/>
               <a:ext cx="686172" cy="112737"/>
             </a:xfrm>
             <a:prstGeom prst="rect">
@@ -6903,13 +6938,13 @@
         </p:sp>
         <p:sp>
           <p:nvSpPr>
-            <p:cNvPr id="67" name="tx67"/>
+            <p:cNvPr id="68" name="tx68"/>
             <p:cNvSpPr/>
             <p:nvPr/>
           </p:nvSpPr>
           <p:spPr>
             <a:xfrm>
-              <a:off x="8000728" y="3016822"/>
+              <a:off x="8000728" y="3126550"/>
               <a:ext cx="880913" cy="139377"/>
             </a:xfrm>
             <a:prstGeom prst="rect">
@@ -6949,14 +6984,14 @@
         </p:sp>
         <p:sp>
           <p:nvSpPr>
-            <p:cNvPr id="68" name="rc68"/>
+            <p:cNvPr id="69" name="rc69"/>
             <p:cNvSpPr/>
             <p:nvPr/>
           </p:nvSpPr>
           <p:spPr>
             <a:xfrm>
-              <a:off x="8000728" y="3253769"/>
-              <a:ext cx="219455" cy="219456"/>
+              <a:off x="8000728" y="3363497"/>
+              <a:ext cx="219455" cy="219455"/>
             </a:xfrm>
             <a:prstGeom prst="rect">
               <a:avLst/>
@@ -6970,13 +7005,13 @@
         </p:sp>
         <p:sp>
           <p:nvSpPr>
-            <p:cNvPr id="69" name="pt69"/>
+            <p:cNvPr id="70" name="pt70"/>
             <p:cNvSpPr/>
             <p:nvPr/>
           </p:nvSpPr>
           <p:spPr>
             <a:xfrm>
-              <a:off x="8105820" y="3358861"/>
+              <a:off x="8105820" y="3468589"/>
               <a:ext cx="9271" cy="9271"/>
             </a:xfrm>
             <a:prstGeom prst="ellipse">
@@ -7005,13 +7040,13 @@
         </p:sp>
         <p:sp>
           <p:nvSpPr>
-            <p:cNvPr id="70" name="rc70"/>
+            <p:cNvPr id="71" name="rc71"/>
             <p:cNvSpPr/>
             <p:nvPr/>
           </p:nvSpPr>
           <p:spPr>
             <a:xfrm>
-              <a:off x="8000728" y="3473225"/>
+              <a:off x="8000728" y="3582953"/>
               <a:ext cx="219455" cy="219455"/>
             </a:xfrm>
             <a:prstGeom prst="rect">
@@ -7026,14 +7061,14 @@
         </p:sp>
         <p:sp>
           <p:nvSpPr>
-            <p:cNvPr id="71" name="pt71"/>
+            <p:cNvPr id="72" name="pt72"/>
             <p:cNvSpPr/>
             <p:nvPr/>
           </p:nvSpPr>
           <p:spPr>
             <a:xfrm>
-              <a:off x="8065236" y="3537733"/>
-              <a:ext cx="90439" cy="90439"/>
+              <a:off x="8074605" y="3656830"/>
+              <a:ext cx="71702" cy="71702"/>
             </a:xfrm>
             <a:prstGeom prst="ellipse">
               <a:avLst/>
@@ -7061,13 +7096,13 @@
         </p:sp>
         <p:sp>
           <p:nvSpPr>
-            <p:cNvPr id="72" name="rc72"/>
+            <p:cNvPr id="73" name="rc73"/>
             <p:cNvSpPr/>
             <p:nvPr/>
           </p:nvSpPr>
           <p:spPr>
             <a:xfrm>
-              <a:off x="8000728" y="3692681"/>
+              <a:off x="8000728" y="3802409"/>
               <a:ext cx="219455" cy="219455"/>
             </a:xfrm>
             <a:prstGeom prst="rect">
@@ -7082,14 +7117,14 @@
         </p:sp>
         <p:sp>
           <p:nvSpPr>
-            <p:cNvPr id="73" name="pt73"/>
+            <p:cNvPr id="74" name="pt74"/>
             <p:cNvSpPr/>
             <p:nvPr/>
           </p:nvSpPr>
           <p:spPr>
             <a:xfrm>
-              <a:off x="8048426" y="3740379"/>
-              <a:ext cx="124060" cy="124060"/>
+              <a:off x="8061675" y="3863356"/>
+              <a:ext cx="97562" cy="97562"/>
             </a:xfrm>
             <a:prstGeom prst="ellipse">
               <a:avLst/>
@@ -7117,14 +7152,14 @@
         </p:sp>
         <p:sp>
           <p:nvSpPr>
-            <p:cNvPr id="74" name="rc74"/>
+            <p:cNvPr id="75" name="rc75"/>
             <p:cNvSpPr/>
             <p:nvPr/>
           </p:nvSpPr>
           <p:spPr>
             <a:xfrm>
-              <a:off x="8000728" y="3912137"/>
-              <a:ext cx="219455" cy="219455"/>
+              <a:off x="8000728" y="4021865"/>
+              <a:ext cx="219455" cy="219456"/>
             </a:xfrm>
             <a:prstGeom prst="rect">
               <a:avLst/>
@@ -7138,14 +7173,14 @@
         </p:sp>
         <p:sp>
           <p:nvSpPr>
-            <p:cNvPr id="75" name="pt75"/>
+            <p:cNvPr id="76" name="pt76"/>
             <p:cNvSpPr/>
             <p:nvPr/>
           </p:nvSpPr>
           <p:spPr>
             <a:xfrm>
-              <a:off x="8035527" y="3946936"/>
-              <a:ext cx="149858" cy="149858"/>
+              <a:off x="8051753" y="4072890"/>
+              <a:ext cx="117404" cy="117404"/>
             </a:xfrm>
             <a:prstGeom prst="ellipse">
               <a:avLst/>
@@ -7173,69 +7208,105 @@
         </p:sp>
         <p:sp>
           <p:nvSpPr>
-            <p:cNvPr id="76" name="rc76"/>
+            <p:cNvPr id="77" name="tx77"/>
             <p:cNvSpPr/>
             <p:nvPr/>
           </p:nvSpPr>
           <p:spPr>
             <a:xfrm>
-              <a:off x="8000728" y="4131593"/>
-              <a:ext cx="219455" cy="219456"/>
+              <a:off x="8296099" y="3429231"/>
+              <a:ext cx="67806" cy="87630"/>
             </a:xfrm>
             <a:prstGeom prst="rect">
               <a:avLst/>
             </a:prstGeom>
-          </p:spPr>
-          <p:txBody>
-            <a:bodyPr/>
-            <a:lstStyle/>
-            <a:p/>
-          </p:txBody>
-        </p:sp>
-        <p:sp>
-          <p:nvSpPr>
-            <p:cNvPr id="77" name="pt77"/>
+            <a:noFill/>
+          </p:spPr>
+          <p:txBody>
+            <a:bodyPr lIns="0" rIns="0" tIns="0" bIns="0" anchorCtr="1" anchor="ctr" wrap="none"/>
+            <a:lstStyle/>
+            <a:p>
+              <a:pPr algn="l" marL="0" marR="0" indent="0">
+                <a:lnSpc>
+                  <a:spcPts val="960"/>
+                </a:lnSpc>
+                <a:spcBef>
+                  <a:spcPts val="0"/>
+                </a:spcBef>
+                <a:spcAft>
+                  <a:spcPts val="0"/>
+                </a:spcAft>
+              </a:pPr>
+              <a:r>
+                <a:rPr sz="960">
+                  <a:solidFill>
+                    <a:srgbClr val="000000">
+                      <a:alpha val="100000"/>
+                    </a:srgbClr>
+                  </a:solidFill>
+                  <a:latin typeface="Arial"/>
+                  <a:cs typeface="Arial"/>
+                </a:rPr>
+                <a:t>1</a:t>
+              </a:r>
+            </a:p>
+          </p:txBody>
+        </p:sp>
+        <p:sp>
+          <p:nvSpPr>
+            <p:cNvPr id="78" name="tx78"/>
             <p:cNvSpPr/>
             <p:nvPr/>
           </p:nvSpPr>
           <p:spPr>
             <a:xfrm>
-              <a:off x="8024652" y="4155517"/>
-              <a:ext cx="171607" cy="171607"/>
-            </a:xfrm>
-            <a:prstGeom prst="ellipse">
+              <a:off x="8296099" y="3647199"/>
+              <a:ext cx="135612" cy="89118"/>
+            </a:xfrm>
+            <a:prstGeom prst="rect">
               <a:avLst/>
             </a:prstGeom>
-            <a:solidFill>
-              <a:srgbClr val="4682B4">
-                <a:alpha val="50196"/>
-              </a:srgbClr>
-            </a:solidFill>
-            <a:ln w="9000" cap="rnd">
-              <a:solidFill>
-                <a:srgbClr val="4682B4">
-                  <a:alpha val="50196"/>
-                </a:srgbClr>
-              </a:solidFill>
-              <a:prstDash val="solid"/>
-              <a:round/>
-            </a:ln>
-          </p:spPr>
-          <p:txBody>
-            <a:bodyPr/>
-            <a:lstStyle/>
-            <a:p/>
-          </p:txBody>
-        </p:sp>
-        <p:sp>
-          <p:nvSpPr>
-            <p:cNvPr id="78" name="tx78"/>
+            <a:noFill/>
+          </p:spPr>
+          <p:txBody>
+            <a:bodyPr lIns="0" rIns="0" tIns="0" bIns="0" anchorCtr="1" anchor="ctr" wrap="none"/>
+            <a:lstStyle/>
+            <a:p>
+              <a:pPr algn="l" marL="0" marR="0" indent="0">
+                <a:lnSpc>
+                  <a:spcPts val="960"/>
+                </a:lnSpc>
+                <a:spcBef>
+                  <a:spcPts val="0"/>
+                </a:spcBef>
+                <a:spcAft>
+                  <a:spcPts val="0"/>
+                </a:spcAft>
+              </a:pPr>
+              <a:r>
+                <a:rPr sz="960">
+                  <a:solidFill>
+                    <a:srgbClr val="000000">
+                      <a:alpha val="100000"/>
+                    </a:srgbClr>
+                  </a:solidFill>
+                  <a:latin typeface="Arial"/>
+                  <a:cs typeface="Arial"/>
+                </a:rPr>
+                <a:t>10</a:t>
+              </a:r>
+            </a:p>
+          </p:txBody>
+        </p:sp>
+        <p:sp>
+          <p:nvSpPr>
+            <p:cNvPr id="79" name="tx79"/>
             <p:cNvSpPr/>
             <p:nvPr/>
           </p:nvSpPr>
           <p:spPr>
             <a:xfrm>
-              <a:off x="8296099" y="3318015"/>
+              <a:off x="8296099" y="3866655"/>
               <a:ext cx="203418" cy="89118"/>
             </a:xfrm>
             <a:prstGeom prst="rect">
@@ -7275,14 +7346,14 @@
         </p:sp>
         <p:sp>
           <p:nvSpPr>
-            <p:cNvPr id="79" name="tx79"/>
+            <p:cNvPr id="80" name="tx80"/>
             <p:cNvSpPr/>
             <p:nvPr/>
           </p:nvSpPr>
           <p:spPr>
             <a:xfrm>
-              <a:off x="8296099" y="3537471"/>
-              <a:ext cx="203418" cy="89118"/>
+              <a:off x="8296099" y="4086111"/>
+              <a:ext cx="271224" cy="89118"/>
             </a:xfrm>
             <a:prstGeom prst="rect">
               <a:avLst/>
@@ -7314,145 +7385,7 @@
                   <a:latin typeface="Arial"/>
                   <a:cs typeface="Arial"/>
                 </a:rPr>
-                <a:t>200</a:t>
-              </a:r>
-            </a:p>
-          </p:txBody>
-        </p:sp>
-        <p:sp>
-          <p:nvSpPr>
-            <p:cNvPr id="80" name="tx80"/>
-            <p:cNvSpPr/>
-            <p:nvPr/>
-          </p:nvSpPr>
-          <p:spPr>
-            <a:xfrm>
-              <a:off x="8296099" y="3756927"/>
-              <a:ext cx="203418" cy="89118"/>
-            </a:xfrm>
-            <a:prstGeom prst="rect">
-              <a:avLst/>
-            </a:prstGeom>
-            <a:noFill/>
-          </p:spPr>
-          <p:txBody>
-            <a:bodyPr lIns="0" rIns="0" tIns="0" bIns="0" anchorCtr="1" anchor="ctr" wrap="none"/>
-            <a:lstStyle/>
-            <a:p>
-              <a:pPr algn="l" marL="0" marR="0" indent="0">
-                <a:lnSpc>
-                  <a:spcPts val="960"/>
-                </a:lnSpc>
-                <a:spcBef>
-                  <a:spcPts val="0"/>
-                </a:spcBef>
-                <a:spcAft>
-                  <a:spcPts val="0"/>
-                </a:spcAft>
-              </a:pPr>
-              <a:r>
-                <a:rPr sz="960">
-                  <a:solidFill>
-                    <a:srgbClr val="000000">
-                      <a:alpha val="100000"/>
-                    </a:srgbClr>
-                  </a:solidFill>
-                  <a:latin typeface="Arial"/>
-                  <a:cs typeface="Arial"/>
-                </a:rPr>
-                <a:t>400</a:t>
-              </a:r>
-            </a:p>
-          </p:txBody>
-        </p:sp>
-        <p:sp>
-          <p:nvSpPr>
-            <p:cNvPr id="81" name="tx81"/>
-            <p:cNvSpPr/>
-            <p:nvPr/>
-          </p:nvSpPr>
-          <p:spPr>
-            <a:xfrm>
-              <a:off x="8296099" y="3976383"/>
-              <a:ext cx="203418" cy="89118"/>
-            </a:xfrm>
-            <a:prstGeom prst="rect">
-              <a:avLst/>
-            </a:prstGeom>
-            <a:noFill/>
-          </p:spPr>
-          <p:txBody>
-            <a:bodyPr lIns="0" rIns="0" tIns="0" bIns="0" anchorCtr="1" anchor="ctr" wrap="none"/>
-            <a:lstStyle/>
-            <a:p>
-              <a:pPr algn="l" marL="0" marR="0" indent="0">
-                <a:lnSpc>
-                  <a:spcPts val="960"/>
-                </a:lnSpc>
-                <a:spcBef>
-                  <a:spcPts val="0"/>
-                </a:spcBef>
-                <a:spcAft>
-                  <a:spcPts val="0"/>
-                </a:spcAft>
-              </a:pPr>
-              <a:r>
-                <a:rPr sz="960">
-                  <a:solidFill>
-                    <a:srgbClr val="000000">
-                      <a:alpha val="100000"/>
-                    </a:srgbClr>
-                  </a:solidFill>
-                  <a:latin typeface="Arial"/>
-                  <a:cs typeface="Arial"/>
-                </a:rPr>
-                <a:t>800</a:t>
-              </a:r>
-            </a:p>
-          </p:txBody>
-        </p:sp>
-        <p:sp>
-          <p:nvSpPr>
-            <p:cNvPr id="82" name="tx82"/>
-            <p:cNvSpPr/>
-            <p:nvPr/>
-          </p:nvSpPr>
-          <p:spPr>
-            <a:xfrm>
-              <a:off x="8296099" y="4195839"/>
-              <a:ext cx="271224" cy="89118"/>
-            </a:xfrm>
-            <a:prstGeom prst="rect">
-              <a:avLst/>
-            </a:prstGeom>
-            <a:noFill/>
-          </p:spPr>
-          <p:txBody>
-            <a:bodyPr lIns="0" rIns="0" tIns="0" bIns="0" anchorCtr="1" anchor="ctr" wrap="none"/>
-            <a:lstStyle/>
-            <a:p>
-              <a:pPr algn="l" marL="0" marR="0" indent="0">
-                <a:lnSpc>
-                  <a:spcPts val="960"/>
-                </a:lnSpc>
-                <a:spcBef>
-                  <a:spcPts val="0"/>
-                </a:spcBef>
-                <a:spcAft>
-                  <a:spcPts val="0"/>
-                </a:spcAft>
-              </a:pPr>
-              <a:r>
-                <a:rPr sz="960">
-                  <a:solidFill>
-                    <a:srgbClr val="000000">
-                      <a:alpha val="100000"/>
-                    </a:srgbClr>
-                  </a:solidFill>
-                  <a:latin typeface="Arial"/>
-                  <a:cs typeface="Arial"/>
-                </a:rPr>
-                <a:t>1600</a:t>
+                <a:t>1000</a:t>
               </a:r>
             </a:p>
           </p:txBody>
